--- a/Documents/04-OutputMerger.pptx
+++ b/Documents/04-OutputMerger.pptx
@@ -378,7 +378,7 @@
           <a:p>
             <a:fld id="{20FDF2D6-8C5E-4A0C-AD78-AB907B009066}" type="datetimeFigureOut">
               <a:rPr lang="ko-KR" altLang="en-US" smtClean="0"/>
-              <a:t>2024-12-26</a:t>
+              <a:t>2025-09-08</a:t>
             </a:fld>
             <a:endParaRPr lang="ko-KR" altLang="en-US"/>
           </a:p>
@@ -576,7 +576,7 @@
           <a:p>
             <a:fld id="{20FDF2D6-8C5E-4A0C-AD78-AB907B009066}" type="datetimeFigureOut">
               <a:rPr lang="ko-KR" altLang="en-US" smtClean="0"/>
-              <a:t>2024-12-26</a:t>
+              <a:t>2025-09-08</a:t>
             </a:fld>
             <a:endParaRPr lang="ko-KR" altLang="en-US"/>
           </a:p>
@@ -784,7 +784,7 @@
           <a:p>
             <a:fld id="{20FDF2D6-8C5E-4A0C-AD78-AB907B009066}" type="datetimeFigureOut">
               <a:rPr lang="ko-KR" altLang="en-US" smtClean="0"/>
-              <a:t>2024-12-26</a:t>
+              <a:t>2025-09-08</a:t>
             </a:fld>
             <a:endParaRPr lang="ko-KR" altLang="en-US"/>
           </a:p>
@@ -982,7 +982,7 @@
           <a:p>
             <a:fld id="{20FDF2D6-8C5E-4A0C-AD78-AB907B009066}" type="datetimeFigureOut">
               <a:rPr lang="ko-KR" altLang="en-US" smtClean="0"/>
-              <a:t>2024-12-26</a:t>
+              <a:t>2025-09-08</a:t>
             </a:fld>
             <a:endParaRPr lang="ko-KR" altLang="en-US"/>
           </a:p>
@@ -1257,7 +1257,7 @@
           <a:p>
             <a:fld id="{20FDF2D6-8C5E-4A0C-AD78-AB907B009066}" type="datetimeFigureOut">
               <a:rPr lang="ko-KR" altLang="en-US" smtClean="0"/>
-              <a:t>2024-12-26</a:t>
+              <a:t>2025-09-08</a:t>
             </a:fld>
             <a:endParaRPr lang="ko-KR" altLang="en-US"/>
           </a:p>
@@ -1522,7 +1522,7 @@
           <a:p>
             <a:fld id="{20FDF2D6-8C5E-4A0C-AD78-AB907B009066}" type="datetimeFigureOut">
               <a:rPr lang="ko-KR" altLang="en-US" smtClean="0"/>
-              <a:t>2024-12-26</a:t>
+              <a:t>2025-09-08</a:t>
             </a:fld>
             <a:endParaRPr lang="ko-KR" altLang="en-US"/>
           </a:p>
@@ -1934,7 +1934,7 @@
           <a:p>
             <a:fld id="{20FDF2D6-8C5E-4A0C-AD78-AB907B009066}" type="datetimeFigureOut">
               <a:rPr lang="ko-KR" altLang="en-US" smtClean="0"/>
-              <a:t>2024-12-26</a:t>
+              <a:t>2025-09-08</a:t>
             </a:fld>
             <a:endParaRPr lang="ko-KR" altLang="en-US"/>
           </a:p>
@@ -2075,7 +2075,7 @@
           <a:p>
             <a:fld id="{20FDF2D6-8C5E-4A0C-AD78-AB907B009066}" type="datetimeFigureOut">
               <a:rPr lang="ko-KR" altLang="en-US" smtClean="0"/>
-              <a:t>2024-12-26</a:t>
+              <a:t>2025-09-08</a:t>
             </a:fld>
             <a:endParaRPr lang="ko-KR" altLang="en-US"/>
           </a:p>
@@ -2188,7 +2188,7 @@
           <a:p>
             <a:fld id="{20FDF2D6-8C5E-4A0C-AD78-AB907B009066}" type="datetimeFigureOut">
               <a:rPr lang="ko-KR" altLang="en-US" smtClean="0"/>
-              <a:t>2024-12-26</a:t>
+              <a:t>2025-09-08</a:t>
             </a:fld>
             <a:endParaRPr lang="ko-KR" altLang="en-US"/>
           </a:p>
@@ -2499,7 +2499,7 @@
           <a:p>
             <a:fld id="{20FDF2D6-8C5E-4A0C-AD78-AB907B009066}" type="datetimeFigureOut">
               <a:rPr lang="ko-KR" altLang="en-US" smtClean="0"/>
-              <a:t>2024-12-26</a:t>
+              <a:t>2025-09-08</a:t>
             </a:fld>
             <a:endParaRPr lang="ko-KR" altLang="en-US"/>
           </a:p>
@@ -2787,7 +2787,7 @@
           <a:p>
             <a:fld id="{20FDF2D6-8C5E-4A0C-AD78-AB907B009066}" type="datetimeFigureOut">
               <a:rPr lang="ko-KR" altLang="en-US" smtClean="0"/>
-              <a:t>2024-12-26</a:t>
+              <a:t>2025-09-08</a:t>
             </a:fld>
             <a:endParaRPr lang="ko-KR" altLang="en-US"/>
           </a:p>
@@ -3028,7 +3028,7 @@
           <a:p>
             <a:fld id="{20FDF2D6-8C5E-4A0C-AD78-AB907B009066}" type="datetimeFigureOut">
               <a:rPr lang="ko-KR" altLang="en-US" smtClean="0"/>
-              <a:t>2024-12-26</a:t>
+              <a:t>2025-09-08</a:t>
             </a:fld>
             <a:endParaRPr lang="ko-KR" altLang="en-US"/>
           </a:p>
@@ -3595,7 +3595,7 @@
         <p:spPr>
           <a:xfrm>
             <a:off x="654050" y="1862088"/>
-            <a:ext cx="10433050" cy="2585323"/>
+            <a:ext cx="10433050" cy="2031325"/>
           </a:xfrm>
           <a:prstGeom prst="rect">
             <a:avLst/>
@@ -3728,30 +3728,6 @@
               <a:rPr lang="en-US" altLang="ko-KR" dirty="0"/>
               <a:t>.</a:t>
             </a:r>
-          </a:p>
-          <a:p>
-            <a:pPr marL="0" indent="0">
-              <a:buNone/>
-            </a:pPr>
-            <a:endParaRPr lang="en-US" altLang="ko-KR" dirty="0"/>
-          </a:p>
-          <a:p>
-            <a:pPr marL="0" indent="0">
-              <a:buNone/>
-            </a:pPr>
-            <a:r>
-              <a:rPr lang="en-US" altLang="ko-KR" dirty="0"/>
-              <a:t>5. </a:t>
-            </a:r>
-            <a:r>
-              <a:rPr lang="en-US" altLang="ko-KR" dirty="0" err="1"/>
-              <a:t>DepthBias</a:t>
-            </a:r>
-            <a:r>
-              <a:rPr lang="ko-KR" altLang="en-US" dirty="0"/>
-              <a:t>를 이해합니다</a:t>
-            </a:r>
-            <a:endParaRPr lang="en-US" altLang="ko-KR" dirty="0"/>
           </a:p>
         </p:txBody>
       </p:sp>
@@ -4024,11 +4000,11 @@
           <a:p>
             <a:r>
               <a:rPr lang="ko-KR" altLang="en-US" dirty="0" err="1"/>
-              <a:t>렌더</a:t>
+              <a:t>렌더타겟에</a:t>
             </a:r>
             <a:r>
               <a:rPr lang="ko-KR" altLang="en-US" dirty="0"/>
-              <a:t> 대상에 </a:t>
+              <a:t> </a:t>
             </a:r>
             <a:r>
               <a:rPr lang="ko-KR" altLang="en-US" dirty="0">
@@ -5825,6 +5801,55 @@
       </p:grpSpPr>
       <p:sp>
         <p:nvSpPr>
+          <p:cNvPr id="9" name="직사각형 8">
+            <a:extLst>
+              <a:ext uri="{FF2B5EF4-FFF2-40B4-BE49-F238E27FC236}">
+                <a16:creationId xmlns:a16="http://schemas.microsoft.com/office/drawing/2014/main" id="{F1F4F1CD-D991-8672-5304-453A4FACBA08}"/>
+              </a:ext>
+            </a:extLst>
+          </p:cNvPr>
+          <p:cNvSpPr/>
+          <p:nvPr/>
+        </p:nvSpPr>
+        <p:spPr>
+          <a:xfrm>
+            <a:off x="4810539" y="4334833"/>
+            <a:ext cx="2816021" cy="1997814"/>
+          </a:xfrm>
+          <a:prstGeom prst="rect">
+            <a:avLst/>
+          </a:prstGeom>
+          <a:solidFill>
+            <a:schemeClr val="tx1"/>
+          </a:solidFill>
+        </p:spPr>
+        <p:style>
+          <a:lnRef idx="2">
+            <a:schemeClr val="accent1">
+              <a:shade val="15000"/>
+            </a:schemeClr>
+          </a:lnRef>
+          <a:fillRef idx="1">
+            <a:schemeClr val="accent1"/>
+          </a:fillRef>
+          <a:effectRef idx="0">
+            <a:schemeClr val="accent1"/>
+          </a:effectRef>
+          <a:fontRef idx="minor">
+            <a:schemeClr val="lt1"/>
+          </a:fontRef>
+        </p:style>
+        <p:txBody>
+          <a:bodyPr rtlCol="0" anchor="ctr"/>
+          <a:lstStyle/>
+          <a:p>
+            <a:pPr algn="ctr"/>
+            <a:endParaRPr lang="ko-KR" altLang="en-US"/>
+          </a:p>
+        </p:txBody>
+      </p:sp>
+      <p:sp>
+        <p:nvSpPr>
           <p:cNvPr id="2" name="제목 1">
             <a:extLst>
               <a:ext uri="{FF2B5EF4-FFF2-40B4-BE49-F238E27FC236}">
@@ -5922,7 +5947,7 @@
         <p:spPr>
           <a:xfrm>
             <a:off x="332110" y="1538549"/>
-            <a:ext cx="5424883" cy="369332"/>
+            <a:ext cx="4889480" cy="369332"/>
           </a:xfrm>
           <a:prstGeom prst="rect">
             <a:avLst/>
@@ -5937,25 +5962,33 @@
           <a:p>
             <a:r>
               <a:rPr lang="ko-KR" altLang="en-US" dirty="0"/>
-              <a:t>일반적이지 않지만 특수한 효과를 위해 활용한다</a:t>
+              <a:t>스텐실 버퍼에 </a:t>
             </a:r>
             <a:r>
               <a:rPr lang="en-US" altLang="ko-KR" dirty="0"/>
-              <a:t>.</a:t>
+              <a:t>1</a:t>
             </a:r>
             <a:r>
               <a:rPr lang="ko-KR" altLang="en-US" dirty="0"/>
-              <a:t>  </a:t>
+              <a:t>이 있는 곳만 </a:t>
+            </a:r>
+            <a:r>
+              <a:rPr lang="ko-KR" altLang="en-US" dirty="0" err="1"/>
+              <a:t>렌더타겟</a:t>
+            </a:r>
+            <a:r>
+              <a:rPr lang="ko-KR" altLang="en-US" dirty="0"/>
+              <a:t> 출력  </a:t>
             </a:r>
           </a:p>
         </p:txBody>
       </p:sp>
       <p:pic>
         <p:nvPicPr>
-          <p:cNvPr id="2052" name="Picture 4" descr="mirror-no-reflections-noshadow">
-            <a:extLst>
-              <a:ext uri="{FF2B5EF4-FFF2-40B4-BE49-F238E27FC236}">
-                <a16:creationId xmlns:a16="http://schemas.microsoft.com/office/drawing/2014/main" id="{8C754D81-9809-2ED5-F55F-7C0AAD3D95EE}"/>
+          <p:cNvPr id="2054" name="Picture 6" descr="reflection-no-stencil">
+            <a:extLst>
+              <a:ext uri="{FF2B5EF4-FFF2-40B4-BE49-F238E27FC236}">
+                <a16:creationId xmlns:a16="http://schemas.microsoft.com/office/drawing/2014/main" id="{327CDFF1-C167-44E8-6D3B-16927B3B5F31}"/>
               </a:ext>
             </a:extLst>
           </p:cNvPr>
@@ -5979,8 +6012,8 @@
         </p:blipFill>
         <p:spPr bwMode="auto">
           <a:xfrm>
-            <a:off x="2967962" y="4196034"/>
-            <a:ext cx="2789031" cy="2187830"/>
+            <a:off x="838200" y="4163706"/>
+            <a:ext cx="2816022" cy="2209002"/>
           </a:xfrm>
           <a:prstGeom prst="rect">
             <a:avLst/>
@@ -5999,10 +6032,10 @@
       </p:pic>
       <p:pic>
         <p:nvPicPr>
-          <p:cNvPr id="2054" name="Picture 6" descr="reflection-no-stencil">
-            <a:extLst>
-              <a:ext uri="{FF2B5EF4-FFF2-40B4-BE49-F238E27FC236}">
-                <a16:creationId xmlns:a16="http://schemas.microsoft.com/office/drawing/2014/main" id="{327CDFF1-C167-44E8-6D3B-16927B3B5F31}"/>
+          <p:cNvPr id="2056" name="Picture 8" descr="reflection-no-mirror-noshadows">
+            <a:extLst>
+              <a:ext uri="{FF2B5EF4-FFF2-40B4-BE49-F238E27FC236}">
+                <a16:creationId xmlns:a16="http://schemas.microsoft.com/office/drawing/2014/main" id="{D698E654-81DE-A4F5-54C0-EEFC077E1F59}"/>
               </a:ext>
             </a:extLst>
           </p:cNvPr>
@@ -6026,8 +6059,8 @@
         </p:blipFill>
         <p:spPr bwMode="auto">
           <a:xfrm>
-            <a:off x="5834190" y="4185448"/>
-            <a:ext cx="2816022" cy="2209002"/>
+            <a:off x="8101227" y="4163706"/>
+            <a:ext cx="2816021" cy="2209002"/>
           </a:xfrm>
           <a:prstGeom prst="rect">
             <a:avLst/>
@@ -6046,10 +6079,10 @@
       </p:pic>
       <p:pic>
         <p:nvPicPr>
-          <p:cNvPr id="2056" name="Picture 8" descr="reflection-no-mirror-noshadows">
-            <a:extLst>
-              <a:ext uri="{FF2B5EF4-FFF2-40B4-BE49-F238E27FC236}">
-                <a16:creationId xmlns:a16="http://schemas.microsoft.com/office/drawing/2014/main" id="{D698E654-81DE-A4F5-54C0-EEFC077E1F59}"/>
+          <p:cNvPr id="1026" name="Picture 2" descr="Image">
+            <a:extLst>
+              <a:ext uri="{FF2B5EF4-FFF2-40B4-BE49-F238E27FC236}">
+                <a16:creationId xmlns:a16="http://schemas.microsoft.com/office/drawing/2014/main" id="{CC234E01-ED76-44EB-898B-E2ED78CE132A}"/>
               </a:ext>
             </a:extLst>
           </p:cNvPr>
@@ -6073,8 +6106,8 @@
         </p:blipFill>
         <p:spPr bwMode="auto">
           <a:xfrm>
-            <a:off x="8940799" y="4185448"/>
-            <a:ext cx="2816021" cy="2209002"/>
+            <a:off x="5566656" y="1291902"/>
+            <a:ext cx="6438900" cy="2524125"/>
           </a:xfrm>
           <a:prstGeom prst="rect">
             <a:avLst/>
@@ -6091,106 +6124,205 @@
           </a:extLst>
         </p:spPr>
       </p:pic>
-      <p:pic>
-        <p:nvPicPr>
-          <p:cNvPr id="2058" name="Picture 10" descr="reflection-bad-lights">
-            <a:extLst>
-              <a:ext uri="{FF2B5EF4-FFF2-40B4-BE49-F238E27FC236}">
-                <a16:creationId xmlns:a16="http://schemas.microsoft.com/office/drawing/2014/main" id="{9118226D-BEBA-D44E-AEB7-324EAC91D897}"/>
-              </a:ext>
-            </a:extLst>
-          </p:cNvPr>
-          <p:cNvPicPr>
-            <a:picLocks noChangeAspect="1" noChangeArrowheads="1"/>
-          </p:cNvPicPr>
+      <p:sp>
+        <p:nvSpPr>
+          <p:cNvPr id="12" name="TextBox 11">
+            <a:extLst>
+              <a:ext uri="{FF2B5EF4-FFF2-40B4-BE49-F238E27FC236}">
+                <a16:creationId xmlns:a16="http://schemas.microsoft.com/office/drawing/2014/main" id="{3B8C2163-E233-4579-B3F6-694293400927}"/>
+              </a:ext>
+            </a:extLst>
+          </p:cNvPr>
+          <p:cNvSpPr txBox="1"/>
           <p:nvPr/>
-        </p:nvPicPr>
-        <p:blipFill>
-          <a:blip r:embed="rId6">
-            <a:extLst>
-              <a:ext uri="{28A0092B-C50C-407E-A947-70E740481C1C}">
-                <a14:useLocalDpi xmlns:a14="http://schemas.microsoft.com/office/drawing/2010/main" val="0"/>
-              </a:ext>
-            </a:extLst>
-          </a:blip>
-          <a:srcRect/>
-          <a:stretch>
-            <a:fillRect/>
-          </a:stretch>
-        </p:blipFill>
-        <p:spPr bwMode="auto">
+        </p:nvSpPr>
+        <p:spPr>
           <a:xfrm>
-            <a:off x="60728" y="4207019"/>
-            <a:ext cx="2789031" cy="2187830"/>
+            <a:off x="1274752" y="6407204"/>
+            <a:ext cx="1227338" cy="369332"/>
           </a:xfrm>
           <a:prstGeom prst="rect">
             <a:avLst/>
           </a:prstGeom>
           <a:noFill/>
-          <a:extLst>
-            <a:ext uri="{909E8E84-426E-40DD-AFC4-6F175D3DCCD1}">
-              <a14:hiddenFill xmlns:a14="http://schemas.microsoft.com/office/drawing/2010/main">
-                <a:solidFill>
-                  <a:srgbClr val="FFFFFF"/>
-                </a:solidFill>
-              </a14:hiddenFill>
-            </a:ext>
-          </a:extLst>
-        </p:spPr>
-      </p:pic>
-      <p:pic>
-        <p:nvPicPr>
-          <p:cNvPr id="1026" name="Picture 2" descr="Image">
-            <a:extLst>
-              <a:ext uri="{FF2B5EF4-FFF2-40B4-BE49-F238E27FC236}">
-                <a16:creationId xmlns:a16="http://schemas.microsoft.com/office/drawing/2014/main" id="{CC234E01-ED76-44EB-898B-E2ED78CE132A}"/>
-              </a:ext>
-            </a:extLst>
-          </p:cNvPr>
-          <p:cNvPicPr>
-            <a:picLocks noChangeAspect="1" noChangeArrowheads="1"/>
-          </p:cNvPicPr>
+        </p:spPr>
+        <p:txBody>
+          <a:bodyPr wrap="square" rtlCol="0">
+            <a:spAutoFit/>
+          </a:bodyPr>
+          <a:lstStyle/>
+          <a:p>
+            <a:r>
+              <a:rPr lang="ko-KR" altLang="en-US" sz="900" dirty="0"/>
+              <a:t>반사된 </a:t>
+            </a:r>
+            <a:r>
+              <a:rPr lang="ko-KR" altLang="en-US" sz="900" dirty="0" err="1"/>
+              <a:t>메쉬</a:t>
+            </a:r>
+            <a:r>
+              <a:rPr lang="ko-KR" altLang="en-US" sz="900" dirty="0"/>
+              <a:t> </a:t>
+            </a:r>
+            <a:r>
+              <a:rPr lang="ko-KR" altLang="en-US" sz="900" dirty="0" err="1"/>
+              <a:t>렌더</a:t>
+            </a:r>
+            <a:r>
+              <a:rPr lang="ko-KR" altLang="en-US" sz="900" dirty="0"/>
+              <a:t> </a:t>
+            </a:r>
+            <a:endParaRPr lang="en-US" altLang="ko-KR" sz="900" dirty="0"/>
+          </a:p>
+          <a:p>
+            <a:r>
+              <a:rPr lang="en-US" altLang="ko-KR" sz="900" dirty="0"/>
+              <a:t>(</a:t>
+            </a:r>
+            <a:r>
+              <a:rPr lang="ko-KR" altLang="en-US" sz="900" dirty="0" err="1"/>
+              <a:t>스텐실버퍼</a:t>
+            </a:r>
+            <a:r>
+              <a:rPr lang="en-US" altLang="ko-KR" sz="900" dirty="0"/>
+              <a:t> </a:t>
+            </a:r>
+            <a:r>
+              <a:rPr lang="ko-KR" altLang="en-US" sz="900" dirty="0"/>
+              <a:t>사용</a:t>
+            </a:r>
+            <a:r>
+              <a:rPr lang="en-US" altLang="ko-KR" sz="900" dirty="0"/>
+              <a:t> X)</a:t>
+            </a:r>
+            <a:r>
+              <a:rPr lang="ko-KR" altLang="en-US" sz="900" dirty="0"/>
+              <a:t>   </a:t>
+            </a:r>
+          </a:p>
+        </p:txBody>
+      </p:sp>
+      <p:sp>
+        <p:nvSpPr>
+          <p:cNvPr id="13" name="TextBox 12">
+            <a:extLst>
+              <a:ext uri="{FF2B5EF4-FFF2-40B4-BE49-F238E27FC236}">
+                <a16:creationId xmlns:a16="http://schemas.microsoft.com/office/drawing/2014/main" id="{F23E88AC-9066-4EA2-82B3-B83AC11F4589}"/>
+              </a:ext>
+            </a:extLst>
+          </p:cNvPr>
+          <p:cNvSpPr txBox="1"/>
           <p:nvPr/>
-        </p:nvPicPr>
-        <p:blipFill>
-          <a:blip r:embed="rId7">
-            <a:extLst>
-              <a:ext uri="{28A0092B-C50C-407E-A947-70E740481C1C}">
-                <a14:useLocalDpi xmlns:a14="http://schemas.microsoft.com/office/drawing/2010/main" val="0"/>
-              </a:ext>
-            </a:extLst>
-          </a:blip>
-          <a:srcRect/>
-          <a:stretch>
-            <a:fillRect/>
-          </a:stretch>
-        </p:blipFill>
-        <p:spPr bwMode="auto">
+        </p:nvSpPr>
+        <p:spPr>
           <a:xfrm>
-            <a:off x="5566656" y="1291902"/>
-            <a:ext cx="6438900" cy="2524125"/>
+            <a:off x="7838736" y="6407204"/>
+            <a:ext cx="3513692" cy="369332"/>
           </a:xfrm>
           <a:prstGeom prst="rect">
             <a:avLst/>
           </a:prstGeom>
           <a:noFill/>
-          <a:extLst>
-            <a:ext uri="{909E8E84-426E-40DD-AFC4-6F175D3DCCD1}">
-              <a14:hiddenFill xmlns:a14="http://schemas.microsoft.com/office/drawing/2010/main">
-                <a:solidFill>
-                  <a:srgbClr val="FFFFFF"/>
-                </a:solidFill>
-              </a14:hiddenFill>
-            </a:ext>
-          </a:extLst>
-        </p:spPr>
-      </p:pic>
-      <p:sp>
-        <p:nvSpPr>
-          <p:cNvPr id="5" name="TextBox 4">
-            <a:extLst>
-              <a:ext uri="{FF2B5EF4-FFF2-40B4-BE49-F238E27FC236}">
-                <a16:creationId xmlns:a16="http://schemas.microsoft.com/office/drawing/2014/main" id="{42FAAC2D-9A24-4D02-B647-970F138C9EB8}"/>
+        </p:spPr>
+        <p:txBody>
+          <a:bodyPr wrap="square" rtlCol="0">
+            <a:spAutoFit/>
+          </a:bodyPr>
+          <a:lstStyle/>
+          <a:p>
+            <a:r>
+              <a:rPr lang="ko-KR" altLang="en-US" sz="900" dirty="0"/>
+              <a:t>스텐실 버퍼 설정과 함께 다시 반사된 해골</a:t>
+            </a:r>
+            <a:r>
+              <a:rPr lang="en-US" altLang="ko-KR" sz="900" dirty="0"/>
+              <a:t>,</a:t>
+            </a:r>
+            <a:r>
+              <a:rPr lang="ko-KR" altLang="en-US" sz="900" dirty="0"/>
+              <a:t>바닥 그리기 </a:t>
+            </a:r>
+            <a:endParaRPr lang="en-US" altLang="ko-KR" sz="900" dirty="0"/>
+          </a:p>
+          <a:p>
+            <a:r>
+              <a:rPr lang="ko-KR" altLang="en-US" sz="900" dirty="0"/>
+              <a:t> </a:t>
+            </a:r>
+            <a:r>
+              <a:rPr lang="en-US" altLang="ko-KR" sz="900" dirty="0"/>
+              <a:t>(</a:t>
+            </a:r>
+            <a:r>
+              <a:rPr lang="ko-KR" altLang="en-US" sz="900" dirty="0"/>
+              <a:t>스텐실 버퍼 사용 </a:t>
+            </a:r>
+            <a:r>
+              <a:rPr lang="en-US" altLang="ko-KR" sz="900" dirty="0"/>
+              <a:t>O)</a:t>
+            </a:r>
+            <a:r>
+              <a:rPr lang="ko-KR" altLang="en-US" sz="900" dirty="0"/>
+              <a:t>   </a:t>
+            </a:r>
+          </a:p>
+        </p:txBody>
+      </p:sp>
+      <p:sp>
+        <p:nvSpPr>
+          <p:cNvPr id="8" name="순서도: 수동 입력 7">
+            <a:extLst>
+              <a:ext uri="{FF2B5EF4-FFF2-40B4-BE49-F238E27FC236}">
+                <a16:creationId xmlns:a16="http://schemas.microsoft.com/office/drawing/2014/main" id="{71DC8876-31DD-B45D-2AA1-2157D4F3C85E}"/>
+              </a:ext>
+            </a:extLst>
+          </p:cNvPr>
+          <p:cNvSpPr/>
+          <p:nvPr/>
+        </p:nvSpPr>
+        <p:spPr>
+          <a:xfrm flipH="1" flipV="1">
+            <a:off x="5955021" y="4787881"/>
+            <a:ext cx="593446" cy="715618"/>
+          </a:xfrm>
+          <a:prstGeom prst="flowChartManualInput">
+            <a:avLst/>
+          </a:prstGeom>
+          <a:solidFill>
+            <a:schemeClr val="bg1"/>
+          </a:solidFill>
+        </p:spPr>
+        <p:style>
+          <a:lnRef idx="2">
+            <a:schemeClr val="accent1">
+              <a:shade val="15000"/>
+            </a:schemeClr>
+          </a:lnRef>
+          <a:fillRef idx="1">
+            <a:schemeClr val="accent1"/>
+          </a:fillRef>
+          <a:effectRef idx="0">
+            <a:schemeClr val="accent1"/>
+          </a:effectRef>
+          <a:fontRef idx="minor">
+            <a:schemeClr val="lt1"/>
+          </a:fontRef>
+        </p:style>
+        <p:txBody>
+          <a:bodyPr rtlCol="0" anchor="ctr"/>
+          <a:lstStyle/>
+          <a:p>
+            <a:pPr algn="ctr"/>
+            <a:endParaRPr lang="ko-KR" altLang="en-US"/>
+          </a:p>
+        </p:txBody>
+      </p:sp>
+      <p:sp>
+        <p:nvSpPr>
+          <p:cNvPr id="15" name="TextBox 14">
+            <a:extLst>
+              <a:ext uri="{FF2B5EF4-FFF2-40B4-BE49-F238E27FC236}">
+                <a16:creationId xmlns:a16="http://schemas.microsoft.com/office/drawing/2014/main" id="{F999355A-030B-3C1F-8F37-B9FBECE9FEFB}"/>
               </a:ext>
             </a:extLst>
           </p:cNvPr>
@@ -6199,8 +6331,8 @@
         </p:nvSpPr>
         <p:spPr>
           <a:xfrm>
-            <a:off x="342528" y="6414949"/>
-            <a:ext cx="2225429" cy="230832"/>
+            <a:off x="5453379" y="6460172"/>
+            <a:ext cx="1596730" cy="230832"/>
           </a:xfrm>
           <a:prstGeom prst="rect">
             <a:avLst/>
@@ -6215,199 +6347,7 @@
           <a:p>
             <a:r>
               <a:rPr lang="ko-KR" altLang="en-US" sz="900" dirty="0"/>
-              <a:t>최종</a:t>
-            </a:r>
-            <a:r>
-              <a:rPr lang="en-US" altLang="ko-KR" sz="900" dirty="0"/>
-              <a:t>: </a:t>
-            </a:r>
-            <a:r>
-              <a:rPr lang="ko-KR" altLang="en-US" sz="900" dirty="0"/>
-              <a:t>거울에 비친 해골과 바닥 </a:t>
-            </a:r>
-          </a:p>
-        </p:txBody>
-      </p:sp>
-      <p:sp>
-        <p:nvSpPr>
-          <p:cNvPr id="11" name="TextBox 10">
-            <a:extLst>
-              <a:ext uri="{FF2B5EF4-FFF2-40B4-BE49-F238E27FC236}">
-                <a16:creationId xmlns:a16="http://schemas.microsoft.com/office/drawing/2014/main" id="{DB1B01FF-EE19-4E4C-B621-10BE34308424}"/>
-              </a:ext>
-            </a:extLst>
-          </p:cNvPr>
-          <p:cNvSpPr txBox="1"/>
-          <p:nvPr/>
-        </p:nvSpPr>
-        <p:spPr>
-          <a:xfrm>
-            <a:off x="3689349" y="6414949"/>
-            <a:ext cx="946252" cy="230832"/>
-          </a:xfrm>
-          <a:prstGeom prst="rect">
-            <a:avLst/>
-          </a:prstGeom>
-          <a:noFill/>
-        </p:spPr>
-        <p:txBody>
-          <a:bodyPr wrap="square" rtlCol="0">
-            <a:spAutoFit/>
-          </a:bodyPr>
-          <a:lstStyle/>
-          <a:p>
-            <a:r>
-              <a:rPr lang="ko-KR" altLang="en-US" sz="900" dirty="0"/>
-              <a:t>월드의 </a:t>
-            </a:r>
-            <a:r>
-              <a:rPr lang="ko-KR" altLang="en-US" sz="900" dirty="0" err="1"/>
-              <a:t>메쉬</a:t>
-            </a:r>
-            <a:endParaRPr lang="ko-KR" altLang="en-US" sz="900" dirty="0"/>
-          </a:p>
-        </p:txBody>
-      </p:sp>
-      <p:sp>
-        <p:nvSpPr>
-          <p:cNvPr id="12" name="TextBox 11">
-            <a:extLst>
-              <a:ext uri="{FF2B5EF4-FFF2-40B4-BE49-F238E27FC236}">
-                <a16:creationId xmlns:a16="http://schemas.microsoft.com/office/drawing/2014/main" id="{3B8C2163-E233-4579-B3F6-694293400927}"/>
-              </a:ext>
-            </a:extLst>
-          </p:cNvPr>
-          <p:cNvSpPr txBox="1"/>
-          <p:nvPr/>
-        </p:nvSpPr>
-        <p:spPr>
-          <a:xfrm>
-            <a:off x="6270742" y="6428946"/>
-            <a:ext cx="1227338" cy="369332"/>
-          </a:xfrm>
-          <a:prstGeom prst="rect">
-            <a:avLst/>
-          </a:prstGeom>
-          <a:noFill/>
-        </p:spPr>
-        <p:txBody>
-          <a:bodyPr wrap="square" rtlCol="0">
-            <a:spAutoFit/>
-          </a:bodyPr>
-          <a:lstStyle/>
-          <a:p>
-            <a:r>
-              <a:rPr lang="ko-KR" altLang="en-US" sz="900" dirty="0"/>
-              <a:t>반사된 </a:t>
-            </a:r>
-            <a:r>
-              <a:rPr lang="ko-KR" altLang="en-US" sz="900" dirty="0" err="1"/>
-              <a:t>메쉬</a:t>
-            </a:r>
-            <a:r>
-              <a:rPr lang="ko-KR" altLang="en-US" sz="900" dirty="0"/>
-              <a:t> </a:t>
-            </a:r>
-            <a:r>
-              <a:rPr lang="ko-KR" altLang="en-US" sz="900" dirty="0" err="1"/>
-              <a:t>렌더</a:t>
-            </a:r>
-            <a:r>
-              <a:rPr lang="ko-KR" altLang="en-US" sz="900" dirty="0"/>
-              <a:t> </a:t>
-            </a:r>
-            <a:endParaRPr lang="en-US" altLang="ko-KR" sz="900" dirty="0"/>
-          </a:p>
-          <a:p>
-            <a:r>
-              <a:rPr lang="en-US" altLang="ko-KR" sz="900" dirty="0"/>
-              <a:t>(</a:t>
-            </a:r>
-            <a:r>
-              <a:rPr lang="ko-KR" altLang="en-US" sz="900" dirty="0" err="1"/>
-              <a:t>스텐실버퍼</a:t>
-            </a:r>
-            <a:r>
-              <a:rPr lang="en-US" altLang="ko-KR" sz="900" dirty="0"/>
-              <a:t> </a:t>
-            </a:r>
-            <a:r>
-              <a:rPr lang="ko-KR" altLang="en-US" sz="900" dirty="0"/>
-              <a:t>사용</a:t>
-            </a:r>
-            <a:r>
-              <a:rPr lang="en-US" altLang="ko-KR" sz="900" dirty="0"/>
-              <a:t> X)</a:t>
-            </a:r>
-            <a:r>
-              <a:rPr lang="ko-KR" altLang="en-US" sz="900" dirty="0"/>
-              <a:t>   </a:t>
-            </a:r>
-          </a:p>
-        </p:txBody>
-      </p:sp>
-      <p:sp>
-        <p:nvSpPr>
-          <p:cNvPr id="13" name="TextBox 12">
-            <a:extLst>
-              <a:ext uri="{FF2B5EF4-FFF2-40B4-BE49-F238E27FC236}">
-                <a16:creationId xmlns:a16="http://schemas.microsoft.com/office/drawing/2014/main" id="{F23E88AC-9066-4EA2-82B3-B83AC11F4589}"/>
-              </a:ext>
-            </a:extLst>
-          </p:cNvPr>
-          <p:cNvSpPr txBox="1"/>
-          <p:nvPr/>
-        </p:nvSpPr>
-        <p:spPr>
-          <a:xfrm>
-            <a:off x="8678308" y="6428946"/>
-            <a:ext cx="3513692" cy="369332"/>
-          </a:xfrm>
-          <a:prstGeom prst="rect">
-            <a:avLst/>
-          </a:prstGeom>
-          <a:noFill/>
-        </p:spPr>
-        <p:txBody>
-          <a:bodyPr wrap="square" rtlCol="0">
-            <a:spAutoFit/>
-          </a:bodyPr>
-          <a:lstStyle/>
-          <a:p>
-            <a:r>
-              <a:rPr lang="ko-KR" altLang="en-US" sz="900" dirty="0"/>
-              <a:t>스텐실 버퍼에 그린 거울과 함께 다시 반사된 해골</a:t>
-            </a:r>
-            <a:r>
-              <a:rPr lang="en-US" altLang="ko-KR" sz="900" dirty="0"/>
-              <a:t>,</a:t>
-            </a:r>
-            <a:r>
-              <a:rPr lang="ko-KR" altLang="en-US" sz="900" dirty="0"/>
-              <a:t>바닥 그리기 </a:t>
-            </a:r>
-            <a:endParaRPr lang="en-US" altLang="ko-KR" sz="900" dirty="0"/>
-          </a:p>
-          <a:p>
-            <a:r>
-              <a:rPr lang="ko-KR" altLang="en-US" sz="900" dirty="0"/>
-              <a:t> </a:t>
-            </a:r>
-            <a:r>
-              <a:rPr lang="en-US" altLang="ko-KR" sz="900" dirty="0"/>
-              <a:t>(</a:t>
-            </a:r>
-            <a:r>
-              <a:rPr lang="ko-KR" altLang="en-US" sz="900" dirty="0"/>
-              <a:t>스텐실 버퍼 사용 </a:t>
-            </a:r>
-            <a:r>
-              <a:rPr lang="en-US" altLang="ko-KR" sz="900" dirty="0"/>
-              <a:t>O)</a:t>
-            </a:r>
-            <a:r>
-              <a:rPr lang="ko-KR" altLang="en-US" sz="900" dirty="0"/>
-              <a:t>   </a:t>
+              <a:t>거울만 스텐실 버퍼에 그림    </a:t>
             </a:r>
           </a:p>
         </p:txBody>
@@ -6515,8 +6455,8 @@
         </p:nvSpPr>
         <p:spPr>
           <a:xfrm>
-            <a:off x="4501208" y="1600856"/>
-            <a:ext cx="7690792" cy="4247317"/>
+            <a:off x="4669245" y="2136338"/>
+            <a:ext cx="7690792" cy="2954655"/>
           </a:xfrm>
           <a:prstGeom prst="rect">
             <a:avLst/>
@@ -6530,165 +6470,165 @@
           <a:lstStyle/>
           <a:p>
             <a:r>
-              <a:rPr lang="en-US" altLang="ko-KR" dirty="0"/>
+              <a:rPr lang="en-US" altLang="ko-KR" sz="1400" dirty="0"/>
               <a:t>NDC</a:t>
             </a:r>
             <a:r>
-              <a:rPr lang="ko-KR" altLang="en-US" dirty="0"/>
+              <a:rPr lang="ko-KR" altLang="en-US" sz="1400" dirty="0"/>
               <a:t>의 </a:t>
             </a:r>
             <a:r>
-              <a:rPr lang="en-US" altLang="ko-KR" dirty="0"/>
+              <a:rPr lang="en-US" altLang="ko-KR" sz="1400" dirty="0"/>
               <a:t>Z </a:t>
             </a:r>
             <a:r>
-              <a:rPr lang="ko-KR" altLang="en-US" dirty="0"/>
+              <a:rPr lang="ko-KR" altLang="en-US" sz="1400" dirty="0"/>
               <a:t>영역은 앞쪽에서 부터 </a:t>
             </a:r>
             <a:r>
-              <a:rPr lang="en-US" altLang="ko-KR" dirty="0"/>
+              <a:rPr lang="en-US" altLang="ko-KR" sz="1400" dirty="0"/>
               <a:t>0~1 </a:t>
             </a:r>
             <a:r>
-              <a:rPr lang="ko-KR" altLang="en-US" dirty="0"/>
+              <a:rPr lang="ko-KR" altLang="en-US" sz="1400" dirty="0"/>
               <a:t>이므로</a:t>
             </a:r>
-            <a:endParaRPr lang="en-US" altLang="ko-KR" dirty="0"/>
-          </a:p>
-          <a:p>
-            <a:r>
-              <a:rPr lang="ko-KR" altLang="en-US" dirty="0"/>
+            <a:endParaRPr lang="en-US" altLang="ko-KR" sz="1400" dirty="0"/>
+          </a:p>
+          <a:p>
+            <a:r>
+              <a:rPr lang="ko-KR" altLang="en-US" sz="1400" dirty="0"/>
               <a:t>오각형의 깊이 값은 삼각형보다 작다</a:t>
             </a:r>
             <a:r>
-              <a:rPr lang="en-US" altLang="ko-KR" dirty="0"/>
+              <a:rPr lang="en-US" altLang="ko-KR" sz="1400" dirty="0"/>
               <a:t>.</a:t>
             </a:r>
           </a:p>
           <a:p>
             <a:r>
-              <a:rPr lang="ko-KR" altLang="en-US" dirty="0"/>
+              <a:rPr lang="ko-KR" altLang="en-US" sz="1400" dirty="0"/>
               <a:t> </a:t>
             </a:r>
-            <a:endParaRPr lang="en-US" altLang="ko-KR" dirty="0"/>
-          </a:p>
-          <a:p>
-            <a:r>
-              <a:rPr lang="en-US" altLang="ko-KR" dirty="0"/>
+            <a:endParaRPr lang="en-US" altLang="ko-KR" sz="1400" dirty="0"/>
+          </a:p>
+          <a:p>
+            <a:r>
+              <a:rPr lang="en-US" altLang="ko-KR" sz="1400" dirty="0"/>
               <a:t> </a:t>
             </a:r>
             <a:r>
-              <a:rPr lang="ko-KR" altLang="en-US" dirty="0"/>
+              <a:rPr lang="ko-KR" altLang="en-US" sz="1400" dirty="0"/>
               <a:t>처음에는 깊이 버퍼를 전부  </a:t>
             </a:r>
             <a:r>
-              <a:rPr lang="en-US" altLang="ko-KR" dirty="0"/>
+              <a:rPr lang="en-US" altLang="ko-KR" sz="1400" dirty="0"/>
               <a:t>1</a:t>
             </a:r>
             <a:r>
-              <a:rPr lang="ko-KR" altLang="en-US" dirty="0"/>
+              <a:rPr lang="ko-KR" altLang="en-US" sz="1400" dirty="0"/>
               <a:t>로 초기화</a:t>
             </a:r>
-            <a:endParaRPr lang="en-US" altLang="ko-KR" dirty="0"/>
-          </a:p>
-          <a:p>
-            <a:endParaRPr lang="en-US" altLang="ko-KR" dirty="0"/>
-          </a:p>
-          <a:p>
-            <a:r>
-              <a:rPr lang="en-US" altLang="ko-KR" dirty="0"/>
+            <a:endParaRPr lang="en-US" altLang="ko-KR" sz="1400" dirty="0"/>
+          </a:p>
+          <a:p>
+            <a:endParaRPr lang="en-US" altLang="ko-KR" sz="1400" dirty="0"/>
+          </a:p>
+          <a:p>
+            <a:r>
+              <a:rPr lang="en-US" altLang="ko-KR" sz="1400" dirty="0"/>
               <a:t>- </a:t>
             </a:r>
             <a:r>
-              <a:rPr lang="ko-KR" altLang="en-US" dirty="0"/>
+              <a:rPr lang="ko-KR" altLang="en-US" sz="1400" dirty="0"/>
               <a:t>   오각형을 먼저 그리는 경우</a:t>
             </a:r>
-            <a:endParaRPr lang="en-US" altLang="ko-KR" dirty="0"/>
-          </a:p>
-          <a:p>
-            <a:r>
-              <a:rPr lang="ko-KR" altLang="en-US" dirty="0"/>
+            <a:endParaRPr lang="en-US" altLang="ko-KR" sz="1400" dirty="0"/>
+          </a:p>
+          <a:p>
+            <a:r>
+              <a:rPr lang="ko-KR" altLang="en-US" sz="1400" dirty="0"/>
               <a:t>오각형 처음 그릴 때 깊이 버퍼의 값은 </a:t>
             </a:r>
             <a:r>
-              <a:rPr lang="en-US" altLang="ko-KR" dirty="0"/>
+              <a:rPr lang="en-US" altLang="ko-KR" sz="1400" dirty="0"/>
               <a:t>1 </a:t>
             </a:r>
             <a:r>
-              <a:rPr lang="ko-KR" altLang="en-US" dirty="0"/>
+              <a:rPr lang="ko-KR" altLang="en-US" sz="1400" dirty="0"/>
               <a:t>이므로 깊이 값과 색상을 기록</a:t>
             </a:r>
-            <a:endParaRPr lang="en-US" altLang="ko-KR" dirty="0"/>
-          </a:p>
-          <a:p>
-            <a:r>
-              <a:rPr lang="ko-KR" altLang="en-US" dirty="0"/>
+            <a:endParaRPr lang="en-US" altLang="ko-KR" sz="1400" dirty="0"/>
+          </a:p>
+          <a:p>
+            <a:r>
+              <a:rPr lang="ko-KR" altLang="en-US" sz="1400" dirty="0"/>
               <a:t>다음</a:t>
             </a:r>
             <a:r>
-              <a:rPr lang="en-US" altLang="ko-KR" dirty="0"/>
+              <a:rPr lang="en-US" altLang="ko-KR" sz="1400" dirty="0"/>
               <a:t>, </a:t>
             </a:r>
             <a:r>
-              <a:rPr lang="ko-KR" altLang="en-US" dirty="0"/>
+              <a:rPr lang="ko-KR" altLang="en-US" sz="1400" dirty="0"/>
               <a:t>삼각형 그릴 때 오각형의 깊이 값 이 있고 삼각형 깊이 값 크므로 색상폐기</a:t>
             </a:r>
-            <a:endParaRPr lang="en-US" altLang="ko-KR" dirty="0"/>
+            <a:endParaRPr lang="en-US" altLang="ko-KR" sz="1400" dirty="0"/>
           </a:p>
           <a:p>
             <a:pPr marL="342900" indent="-342900">
               <a:buAutoNum type="arabicPeriod"/>
             </a:pPr>
-            <a:endParaRPr lang="en-US" altLang="ko-KR" dirty="0"/>
-          </a:p>
-          <a:p>
-            <a:r>
-              <a:rPr lang="en-US" altLang="ko-KR" dirty="0"/>
+            <a:endParaRPr lang="en-US" altLang="ko-KR" sz="1400" dirty="0"/>
+          </a:p>
+          <a:p>
+            <a:r>
+              <a:rPr lang="en-US" altLang="ko-KR" sz="1400" dirty="0"/>
               <a:t>- </a:t>
             </a:r>
             <a:r>
-              <a:rPr lang="ko-KR" altLang="en-US" dirty="0"/>
+              <a:rPr lang="ko-KR" altLang="en-US" sz="1400" dirty="0"/>
               <a:t>    삼각형을 먼저 그리는 경우</a:t>
             </a:r>
-            <a:endParaRPr lang="en-US" altLang="ko-KR" dirty="0"/>
-          </a:p>
-          <a:p>
-            <a:r>
-              <a:rPr lang="ko-KR" altLang="en-US" dirty="0"/>
+            <a:endParaRPr lang="en-US" altLang="ko-KR" sz="1400" dirty="0"/>
+          </a:p>
+          <a:p>
+            <a:r>
+              <a:rPr lang="ko-KR" altLang="en-US" sz="1400" dirty="0"/>
               <a:t>삼각형 처음 그릴 때 깊이 버퍼의 값은 </a:t>
             </a:r>
             <a:r>
-              <a:rPr lang="en-US" altLang="ko-KR" dirty="0"/>
+              <a:rPr lang="en-US" altLang="ko-KR" sz="1400" dirty="0"/>
               <a:t>1 </a:t>
             </a:r>
             <a:r>
-              <a:rPr lang="ko-KR" altLang="en-US" dirty="0"/>
+              <a:rPr lang="ko-KR" altLang="en-US" sz="1400" dirty="0"/>
               <a:t>이므로 깊이 값과 색상을 기록</a:t>
             </a:r>
-            <a:endParaRPr lang="en-US" altLang="ko-KR" dirty="0"/>
-          </a:p>
-          <a:p>
-            <a:r>
-              <a:rPr lang="ko-KR" altLang="en-US" dirty="0"/>
+            <a:endParaRPr lang="en-US" altLang="ko-KR" sz="1400" dirty="0"/>
+          </a:p>
+          <a:p>
+            <a:r>
+              <a:rPr lang="ko-KR" altLang="en-US" sz="1400" dirty="0"/>
               <a:t>다음</a:t>
             </a:r>
             <a:r>
-              <a:rPr lang="en-US" altLang="ko-KR" dirty="0"/>
+              <a:rPr lang="en-US" altLang="ko-KR" sz="1400" dirty="0"/>
               <a:t>, </a:t>
             </a:r>
             <a:r>
-              <a:rPr lang="ko-KR" altLang="en-US" dirty="0"/>
+              <a:rPr lang="ko-KR" altLang="en-US" sz="1400" dirty="0"/>
               <a:t>오각형 그릴 때 삼각형의 깊이 값 이 있고 삼각형 깊이 작으므로 </a:t>
             </a:r>
             <a:r>
-              <a:rPr lang="ko-KR" altLang="en-US" dirty="0" err="1"/>
+              <a:rPr lang="ko-KR" altLang="en-US" sz="1400" dirty="0" err="1"/>
               <a:t>깊이값과</a:t>
             </a:r>
             <a:r>
-              <a:rPr lang="ko-KR" altLang="en-US" dirty="0"/>
+              <a:rPr lang="ko-KR" altLang="en-US" sz="1400" dirty="0"/>
               <a:t> 색상을 기록</a:t>
             </a:r>
-            <a:endParaRPr lang="en-US" altLang="ko-KR" dirty="0"/>
+            <a:endParaRPr lang="en-US" altLang="ko-KR" sz="1400" dirty="0"/>
           </a:p>
           <a:p>
             <a:endParaRPr lang="ko-KR" altLang="en-US" dirty="0"/>
@@ -6781,7 +6721,7 @@
         </p:nvCxnSpPr>
         <p:spPr>
           <a:xfrm flipV="1">
-            <a:off x="9338679" y="2548521"/>
+            <a:off x="8991420" y="2776574"/>
             <a:ext cx="259571" cy="707923"/>
           </a:xfrm>
           <a:prstGeom prst="line">
@@ -6817,7 +6757,7 @@
         </p:nvCxnSpPr>
         <p:spPr>
           <a:xfrm flipV="1">
-            <a:off x="10408352" y="2495427"/>
+            <a:off x="9802454" y="2714149"/>
             <a:ext cx="411065" cy="761017"/>
           </a:xfrm>
           <a:prstGeom prst="line">
@@ -6853,8 +6793,8 @@
         </p:nvSpPr>
         <p:spPr>
           <a:xfrm>
-            <a:off x="8914466" y="2041177"/>
-            <a:ext cx="1107996" cy="369332"/>
+            <a:off x="8784681" y="2406068"/>
+            <a:ext cx="902811" cy="307777"/>
           </a:xfrm>
           <a:prstGeom prst="rect">
             <a:avLst/>
@@ -6867,10 +6807,10 @@
           <a:lstStyle/>
           <a:p>
             <a:r>
-              <a:rPr lang="ko-KR" altLang="en-US" dirty="0" err="1"/>
+              <a:rPr lang="ko-KR" altLang="en-US" sz="1400" dirty="0" err="1"/>
               <a:t>깊이버퍼</a:t>
             </a:r>
-            <a:endParaRPr lang="ko-KR" altLang="en-US" dirty="0"/>
+            <a:endParaRPr lang="ko-KR" altLang="en-US" sz="1400" dirty="0"/>
           </a:p>
         </p:txBody>
       </p:sp>
@@ -6888,8 +6828,8 @@
         </p:nvSpPr>
         <p:spPr>
           <a:xfrm>
-            <a:off x="10364724" y="2019366"/>
-            <a:ext cx="1107996" cy="369332"/>
+            <a:off x="10007986" y="2406068"/>
+            <a:ext cx="902811" cy="307777"/>
           </a:xfrm>
           <a:prstGeom prst="rect">
             <a:avLst/>
@@ -6902,10 +6842,10 @@
           <a:lstStyle/>
           <a:p>
             <a:r>
-              <a:rPr lang="ko-KR" altLang="en-US" dirty="0" err="1"/>
+              <a:rPr lang="ko-KR" altLang="en-US" sz="1400" dirty="0" err="1"/>
               <a:t>렌더타겟</a:t>
             </a:r>
-            <a:endParaRPr lang="ko-KR" altLang="en-US" dirty="0"/>
+            <a:endParaRPr lang="ko-KR" altLang="en-US" sz="1400" dirty="0"/>
           </a:p>
         </p:txBody>
       </p:sp>
@@ -6923,7 +6863,7 @@
         </p:nvSpPr>
         <p:spPr>
           <a:xfrm rot="1968946">
-            <a:off x="4746811" y="2985074"/>
+            <a:off x="4856330" y="3179218"/>
             <a:ext cx="259571" cy="271370"/>
           </a:xfrm>
           <a:prstGeom prst="pentagon">
@@ -6972,7 +6912,7 @@
         </p:nvSpPr>
         <p:spPr>
           <a:xfrm rot="10630703">
-            <a:off x="4768366" y="4357296"/>
+            <a:off x="4902629" y="4033320"/>
             <a:ext cx="259571" cy="271370"/>
           </a:xfrm>
           <a:prstGeom prst="triangle">
@@ -7004,6 +6944,126 @@
           <a:p>
             <a:pPr algn="ctr"/>
             <a:endParaRPr lang="ko-KR" altLang="en-US"/>
+          </a:p>
+        </p:txBody>
+      </p:sp>
+      <p:sp>
+        <p:nvSpPr>
+          <p:cNvPr id="37" name="TextBox 36">
+            <a:extLst>
+              <a:ext uri="{FF2B5EF4-FFF2-40B4-BE49-F238E27FC236}">
+                <a16:creationId xmlns:a16="http://schemas.microsoft.com/office/drawing/2014/main" id="{669C6525-1C5E-6123-4296-2787CF819AEE}"/>
+              </a:ext>
+            </a:extLst>
+          </p:cNvPr>
+          <p:cNvSpPr txBox="1"/>
+          <p:nvPr/>
+        </p:nvSpPr>
+        <p:spPr>
+          <a:xfrm>
+            <a:off x="4896107" y="5078941"/>
+            <a:ext cx="7014411" cy="1615827"/>
+          </a:xfrm>
+          <a:prstGeom prst="rect">
+            <a:avLst/>
+          </a:prstGeom>
+          <a:noFill/>
+        </p:spPr>
+        <p:txBody>
+          <a:bodyPr wrap="square">
+            <a:spAutoFit/>
+          </a:bodyPr>
+          <a:lstStyle/>
+          <a:p>
+            <a:r>
+              <a:rPr lang="ko-KR" sz="1100" noProof="1"/>
+              <a:t>D3D11_DEPTH_STENCIL_DESC depthStencilDesc = {};</a:t>
+            </a:r>
+          </a:p>
+          <a:p>
+            <a:r>
+              <a:rPr lang="ko-KR" sz="1100" noProof="1"/>
+              <a:t>depthStencilDesc.DepthEnable = TRUE;                // 깊이 테스트 활성화</a:t>
+            </a:r>
+          </a:p>
+          <a:p>
+            <a:r>
+              <a:rPr lang="ko-KR" sz="1100" noProof="1"/>
+              <a:t>depthStencilDesc.DepthWriteMask = D3D11_DEPTH_WRITE_MASK_ALL; // 깊이 버퍼 업데이트 허용</a:t>
+            </a:r>
+          </a:p>
+          <a:p>
+            <a:r>
+              <a:rPr lang="ko-KR" sz="1100" noProof="1"/>
+              <a:t>depthStencilDesc.DepthFunc = D3D11_COMPARISON_LESS; // 작은 Z 값이 앞에 배치되도록 설정</a:t>
+            </a:r>
+          </a:p>
+          <a:p>
+            <a:r>
+              <a:rPr lang="ko-KR" sz="1100" noProof="1"/>
+              <a:t>depthStencilDesc.StencilEnable = FALSE;            // 스텐실 테스트 비활성화</a:t>
+            </a:r>
+          </a:p>
+          <a:p>
+            <a:endParaRPr lang="ko-KR" sz="1100" noProof="1"/>
+          </a:p>
+          <a:p>
+            <a:r>
+              <a:rPr lang="ko-KR" sz="1100" noProof="1"/>
+              <a:t>ID3D11DepthStencilState* depthStencilState = nullptr;</a:t>
+            </a:r>
+          </a:p>
+          <a:p>
+            <a:r>
+              <a:rPr lang="ko-KR" sz="1100" noProof="1"/>
+              <a:t>device-&gt;CreateDepthStencilState(&amp;depthStencilDesc, &amp;depthStencilState);</a:t>
+            </a:r>
+          </a:p>
+          <a:p>
+            <a:r>
+              <a:rPr lang="ko-KR" sz="1100" noProof="1"/>
+              <a:t>context-&gt;OMSetDepthStencilState(depthStencilState, 1);</a:t>
+            </a:r>
+          </a:p>
+        </p:txBody>
+      </p:sp>
+      <p:sp>
+        <p:nvSpPr>
+          <p:cNvPr id="14" name="TextBox 13">
+            <a:extLst>
+              <a:ext uri="{FF2B5EF4-FFF2-40B4-BE49-F238E27FC236}">
+                <a16:creationId xmlns:a16="http://schemas.microsoft.com/office/drawing/2014/main" id="{07CEEB98-8765-650E-FC1D-F0F0B3B0FF8D}"/>
+              </a:ext>
+            </a:extLst>
+          </p:cNvPr>
+          <p:cNvSpPr txBox="1"/>
+          <p:nvPr/>
+        </p:nvSpPr>
+        <p:spPr>
+          <a:xfrm>
+            <a:off x="525458" y="1423469"/>
+            <a:ext cx="11219754" cy="369332"/>
+          </a:xfrm>
+          <a:prstGeom prst="rect">
+            <a:avLst/>
+          </a:prstGeom>
+          <a:noFill/>
+        </p:spPr>
+        <p:txBody>
+          <a:bodyPr wrap="square">
+            <a:spAutoFit/>
+          </a:bodyPr>
+          <a:lstStyle/>
+          <a:p>
+            <a:r>
+              <a:rPr lang="ko-KR" altLang="en-US" dirty="0"/>
+              <a:t>기록된 깊이 값과 새로 기록할 깊이 값 비교하여 최종적으로 픽셀을 프레임 버퍼에 쓸지 최종 판단</a:t>
+            </a:r>
+            <a:r>
+              <a:rPr lang="en-US" altLang="ko-KR" dirty="0"/>
+              <a:t>.</a:t>
+            </a:r>
+            <a:endParaRPr lang="ko-KR" altLang="en-US" dirty="0"/>
           </a:p>
         </p:txBody>
       </p:sp>
@@ -7150,7 +7210,7 @@
         </p:nvSpPr>
         <p:spPr>
           <a:xfrm>
-            <a:off x="2146664" y="2281124"/>
+            <a:off x="4952306" y="3850741"/>
             <a:ext cx="632435" cy="529986"/>
           </a:xfrm>
           <a:prstGeom prst="rect">
@@ -7213,7 +7273,7 @@
         </p:nvSpPr>
         <p:spPr>
           <a:xfrm>
-            <a:off x="3402131" y="2281124"/>
+            <a:off x="6207773" y="3850741"/>
             <a:ext cx="632435" cy="529986"/>
           </a:xfrm>
           <a:prstGeom prst="rect">
@@ -7273,7 +7333,7 @@
         </p:nvSpPr>
         <p:spPr>
           <a:xfrm>
-            <a:off x="777905" y="2276820"/>
+            <a:off x="3583547" y="3846437"/>
             <a:ext cx="632435" cy="529986"/>
           </a:xfrm>
           <a:prstGeom prst="rect">
@@ -7332,7 +7392,7 @@
         </p:nvCxnSpPr>
         <p:spPr>
           <a:xfrm>
-            <a:off x="1410340" y="2541813"/>
+            <a:off x="4215982" y="4111430"/>
             <a:ext cx="736324" cy="4304"/>
           </a:xfrm>
           <a:prstGeom prst="straightConnector1">
@@ -7378,7 +7438,7 @@
         </p:nvCxnSpPr>
         <p:spPr>
           <a:xfrm>
-            <a:off x="2779099" y="2546117"/>
+            <a:off x="5584741" y="4115734"/>
             <a:ext cx="623032" cy="0"/>
           </a:xfrm>
           <a:prstGeom prst="straightConnector1">
@@ -7417,7 +7477,7 @@
         </p:nvSpPr>
         <p:spPr>
           <a:xfrm>
-            <a:off x="3313076" y="1939802"/>
+            <a:off x="6118718" y="3509419"/>
             <a:ext cx="810543" cy="369332"/>
           </a:xfrm>
           <a:prstGeom prst="rect">
@@ -7453,7 +7513,7 @@
         </p:nvSpPr>
         <p:spPr>
           <a:xfrm>
-            <a:off x="1326294" y="2823157"/>
+            <a:off x="4131936" y="4392774"/>
             <a:ext cx="904415" cy="369332"/>
           </a:xfrm>
           <a:prstGeom prst="rect">
@@ -7477,10 +7537,10 @@
       </p:sp>
       <p:sp>
         <p:nvSpPr>
-          <p:cNvPr id="37" name="TextBox 36">
-            <a:extLst>
-              <a:ext uri="{FF2B5EF4-FFF2-40B4-BE49-F238E27FC236}">
-                <a16:creationId xmlns:a16="http://schemas.microsoft.com/office/drawing/2014/main" id="{669C6525-1C5E-6123-4296-2787CF819AEE}"/>
+          <p:cNvPr id="5" name="TextBox 4">
+            <a:extLst>
+              <a:ext uri="{FF2B5EF4-FFF2-40B4-BE49-F238E27FC236}">
+                <a16:creationId xmlns:a16="http://schemas.microsoft.com/office/drawing/2014/main" id="{0174D3F2-D2E5-F160-11D2-C77EA6AD715E}"/>
               </a:ext>
             </a:extLst>
           </p:cNvPr>
@@ -7489,8 +7549,8 @@
         </p:nvSpPr>
         <p:spPr>
           <a:xfrm>
-            <a:off x="433136" y="3334374"/>
-            <a:ext cx="7014411" cy="1615827"/>
+            <a:off x="399712" y="2200473"/>
+            <a:ext cx="11379903" cy="923330"/>
           </a:xfrm>
           <a:prstGeom prst="rect">
             <a:avLst/>
@@ -7503,150 +7563,233 @@
           </a:bodyPr>
           <a:lstStyle/>
           <a:p>
-            <a:r>
-              <a:rPr lang="ko-KR" altLang="en-US" sz="1100" dirty="0"/>
-              <a:t>D3D11_DEPTH_STENCIL_DESC </a:t>
-            </a:r>
-            <a:r>
-              <a:rPr lang="ko-KR" altLang="en-US" sz="1100" dirty="0" err="1"/>
-              <a:t>depthStencilDesc</a:t>
-            </a:r>
-            <a:r>
-              <a:rPr lang="ko-KR" altLang="en-US" sz="1100" dirty="0"/>
-              <a:t> = {};</a:t>
-            </a:r>
-          </a:p>
-          <a:p>
-            <a:r>
-              <a:rPr lang="ko-KR" altLang="en-US" sz="1100" dirty="0" err="1"/>
-              <a:t>depthStencilDesc.DepthEnable</a:t>
-            </a:r>
-            <a:r>
-              <a:rPr lang="ko-KR" altLang="en-US" sz="1100" dirty="0"/>
-              <a:t> = TRUE;                // 깊이 테스트 활성화</a:t>
-            </a:r>
-          </a:p>
-          <a:p>
-            <a:r>
-              <a:rPr lang="ko-KR" altLang="en-US" sz="1100" dirty="0" err="1"/>
-              <a:t>depthStencilDesc.DepthWriteMask</a:t>
-            </a:r>
-            <a:r>
-              <a:rPr lang="ko-KR" altLang="en-US" sz="1100" dirty="0"/>
-              <a:t> = D3D11_DEPTH_WRITE_MASK_ALL; // 깊이 버퍼 업데이트 허용</a:t>
-            </a:r>
-          </a:p>
-          <a:p>
-            <a:r>
-              <a:rPr lang="ko-KR" altLang="en-US" sz="1100" dirty="0" err="1"/>
-              <a:t>depthStencilDesc.DepthFunc</a:t>
-            </a:r>
-            <a:r>
-              <a:rPr lang="ko-KR" altLang="en-US" sz="1100" dirty="0"/>
-              <a:t> = D3D11_COMPARISON_LESS; // 작은 </a:t>
-            </a:r>
-            <a:r>
-              <a:rPr lang="ko-KR" altLang="en-US" sz="1100" dirty="0" err="1"/>
-              <a:t>Z</a:t>
-            </a:r>
-            <a:r>
-              <a:rPr lang="ko-KR" altLang="en-US" sz="1100" dirty="0"/>
-              <a:t> 값이 앞에 배치되도록 설정</a:t>
-            </a:r>
-          </a:p>
-          <a:p>
-            <a:r>
-              <a:rPr lang="ko-KR" altLang="en-US" sz="1100" dirty="0" err="1"/>
-              <a:t>depthStencilDesc.StencilEnable</a:t>
-            </a:r>
-            <a:r>
-              <a:rPr lang="ko-KR" altLang="en-US" sz="1100" dirty="0"/>
-              <a:t> = FALSE;            // 스텐실 테스트 비활성화</a:t>
-            </a:r>
-          </a:p>
-          <a:p>
-            <a:endParaRPr lang="ko-KR" altLang="en-US" sz="1100" dirty="0"/>
-          </a:p>
-          <a:p>
-            <a:r>
-              <a:rPr lang="ko-KR" altLang="en-US" sz="1100" dirty="0"/>
-              <a:t>ID3D11DepthStencilState* </a:t>
-            </a:r>
-            <a:r>
-              <a:rPr lang="ko-KR" altLang="en-US" sz="1100" dirty="0" err="1"/>
-              <a:t>depthStencilState</a:t>
-            </a:r>
-            <a:r>
-              <a:rPr lang="ko-KR" altLang="en-US" sz="1100" dirty="0"/>
-              <a:t> = </a:t>
-            </a:r>
-            <a:r>
-              <a:rPr lang="ko-KR" altLang="en-US" sz="1100" dirty="0" err="1"/>
-              <a:t>nullptr</a:t>
-            </a:r>
-            <a:r>
-              <a:rPr lang="ko-KR" altLang="en-US" sz="1100" dirty="0"/>
-              <a:t>;</a:t>
-            </a:r>
-          </a:p>
-          <a:p>
-            <a:r>
-              <a:rPr lang="ko-KR" altLang="en-US" sz="1100" dirty="0" err="1"/>
-              <a:t>device</a:t>
-            </a:r>
-            <a:r>
-              <a:rPr lang="ko-KR" altLang="en-US" sz="1100" dirty="0"/>
-              <a:t>-&gt;</a:t>
-            </a:r>
-            <a:r>
-              <a:rPr lang="ko-KR" altLang="en-US" sz="1100" dirty="0" err="1"/>
-              <a:t>CreateDepthStencilState</a:t>
-            </a:r>
-            <a:r>
-              <a:rPr lang="ko-KR" altLang="en-US" sz="1100" dirty="0"/>
-              <a:t>(&amp;</a:t>
-            </a:r>
-            <a:r>
-              <a:rPr lang="ko-KR" altLang="en-US" sz="1100" dirty="0" err="1"/>
-              <a:t>depthStencilDesc</a:t>
-            </a:r>
-            <a:r>
-              <a:rPr lang="ko-KR" altLang="en-US" sz="1100" dirty="0"/>
-              <a:t>, &amp;</a:t>
-            </a:r>
-            <a:r>
-              <a:rPr lang="ko-KR" altLang="en-US" sz="1100" dirty="0" err="1"/>
-              <a:t>depthStencilState</a:t>
-            </a:r>
-            <a:r>
-              <a:rPr lang="ko-KR" altLang="en-US" sz="1100" dirty="0"/>
-              <a:t>);</a:t>
-            </a:r>
-          </a:p>
-          <a:p>
-            <a:r>
-              <a:rPr lang="ko-KR" altLang="en-US" sz="1100" dirty="0" err="1"/>
-              <a:t>context</a:t>
-            </a:r>
-            <a:r>
-              <a:rPr lang="ko-KR" altLang="en-US" sz="1100" dirty="0"/>
-              <a:t>-&gt;</a:t>
-            </a:r>
-            <a:r>
-              <a:rPr lang="ko-KR" altLang="en-US" sz="1100" dirty="0" err="1"/>
-              <a:t>OMSetDepthStencilState</a:t>
-            </a:r>
-            <a:r>
-              <a:rPr lang="ko-KR" altLang="en-US" sz="1100" dirty="0"/>
-              <a:t>(</a:t>
-            </a:r>
-            <a:r>
-              <a:rPr lang="ko-KR" altLang="en-US" sz="1100" dirty="0" err="1"/>
-              <a:t>depthStencilState</a:t>
-            </a:r>
-            <a:r>
-              <a:rPr lang="ko-KR" altLang="en-US" sz="1100" dirty="0"/>
-              <a:t>, 1);</a:t>
+            <a:pPr>
+              <a:buFont typeface="Arial" panose="020B0604020202020204" pitchFamily="34" charset="0"/>
+              <a:buChar char="•"/>
+            </a:pPr>
+            <a:r>
+              <a:rPr lang="ko-KR" altLang="en-US" b="1" dirty="0"/>
+              <a:t> 목적</a:t>
+            </a:r>
+            <a:r>
+              <a:rPr lang="en-US" altLang="ko-KR" dirty="0"/>
+              <a:t>: </a:t>
+            </a:r>
+            <a:r>
+              <a:rPr lang="ko-KR" altLang="en-US" b="1" dirty="0"/>
+              <a:t>픽셀 </a:t>
+            </a:r>
+            <a:r>
+              <a:rPr lang="ko-KR" altLang="en-US" b="1" dirty="0" err="1"/>
+              <a:t>셰이더</a:t>
+            </a:r>
+            <a:r>
+              <a:rPr lang="ko-KR" altLang="en-US" b="1" dirty="0"/>
+              <a:t> 실행 전에</a:t>
+            </a:r>
+            <a:r>
+              <a:rPr lang="ko-KR" altLang="en-US" dirty="0"/>
+              <a:t> 깊이 비교를 미리 해서</a:t>
+            </a:r>
+            <a:r>
+              <a:rPr lang="en-US" altLang="ko-KR" dirty="0"/>
+              <a:t>, </a:t>
+            </a:r>
+            <a:r>
+              <a:rPr lang="ko-KR" altLang="en-US" dirty="0"/>
+              <a:t>뒤에 가려질 픽셀의 </a:t>
+            </a:r>
+            <a:r>
+              <a:rPr lang="en-US" altLang="ko-KR" dirty="0"/>
+              <a:t>PS </a:t>
+            </a:r>
+            <a:r>
+              <a:rPr lang="ko-KR" altLang="en-US" dirty="0"/>
+              <a:t>실행을 아예 건너뛰기 위함이다</a:t>
+            </a:r>
+            <a:endParaRPr lang="en-US" altLang="ko-KR" dirty="0"/>
+          </a:p>
+          <a:p>
+            <a:pPr>
+              <a:buFont typeface="Arial" panose="020B0604020202020204" pitchFamily="34" charset="0"/>
+              <a:buChar char="•"/>
+            </a:pPr>
+            <a:r>
+              <a:rPr lang="en-US" altLang="ko-KR" dirty="0"/>
+              <a:t> GPU </a:t>
+            </a:r>
+            <a:r>
+              <a:rPr lang="ko-KR" altLang="en-US" dirty="0"/>
+              <a:t>입장에서 픽셀 </a:t>
+            </a:r>
+            <a:r>
+              <a:rPr lang="ko-KR" altLang="en-US" dirty="0" err="1"/>
+              <a:t>셰이더는</a:t>
+            </a:r>
+            <a:r>
+              <a:rPr lang="ko-KR" altLang="en-US" dirty="0"/>
+              <a:t> 굉장히 무겁기 때문에</a:t>
+            </a:r>
+            <a:r>
+              <a:rPr lang="en-US" altLang="ko-KR" dirty="0"/>
+              <a:t>, </a:t>
+            </a:r>
+            <a:r>
+              <a:rPr lang="ko-KR" altLang="en-US" dirty="0"/>
+              <a:t>쓸데없이 실행했다가 마지막에 버려지면 큰 낭비다</a:t>
+            </a:r>
+            <a:endParaRPr lang="en-US" altLang="ko-KR" dirty="0"/>
+          </a:p>
+          <a:p>
+            <a:pPr>
+              <a:buFont typeface="Arial" panose="020B0604020202020204" pitchFamily="34" charset="0"/>
+              <a:buChar char="•"/>
+            </a:pPr>
+            <a:r>
+              <a:rPr lang="ko-KR" altLang="en-US" dirty="0"/>
+              <a:t> 예</a:t>
+            </a:r>
+            <a:r>
+              <a:rPr lang="en-US" altLang="ko-KR" dirty="0"/>
+              <a:t>: </a:t>
+            </a:r>
+            <a:r>
+              <a:rPr lang="ko-KR" altLang="en-US" dirty="0"/>
+              <a:t>캐릭터 뒤에 있는 벽 → 어차피 </a:t>
+            </a:r>
+            <a:r>
+              <a:rPr lang="en-US" altLang="ko-KR" dirty="0"/>
+              <a:t>Depth Test</a:t>
+            </a:r>
+            <a:r>
+              <a:rPr lang="ko-KR" altLang="en-US" dirty="0"/>
+              <a:t>에서 </a:t>
+            </a:r>
+            <a:r>
+              <a:rPr lang="en-US" altLang="ko-KR" dirty="0"/>
+              <a:t>Fail </a:t>
+            </a:r>
+            <a:r>
+              <a:rPr lang="ko-KR" altLang="en-US" dirty="0"/>
+              <a:t>될 거라면</a:t>
+            </a:r>
+            <a:r>
+              <a:rPr lang="en-US" altLang="ko-KR" dirty="0"/>
+              <a:t>, PS </a:t>
+            </a:r>
+            <a:r>
+              <a:rPr lang="ko-KR" altLang="en-US" dirty="0"/>
+              <a:t>실행 자체를 생략 가능</a:t>
+            </a:r>
+            <a:r>
+              <a:rPr lang="en-US" altLang="ko-KR" dirty="0"/>
+              <a:t>.</a:t>
+            </a:r>
+          </a:p>
+        </p:txBody>
+      </p:sp>
+      <p:sp>
+        <p:nvSpPr>
+          <p:cNvPr id="7" name="TextBox 6">
+            <a:extLst>
+              <a:ext uri="{FF2B5EF4-FFF2-40B4-BE49-F238E27FC236}">
+                <a16:creationId xmlns:a16="http://schemas.microsoft.com/office/drawing/2014/main" id="{DA61AB2A-AAD9-4453-9007-CCBF7996F9EC}"/>
+              </a:ext>
+            </a:extLst>
+          </p:cNvPr>
+          <p:cNvSpPr txBox="1"/>
+          <p:nvPr/>
+        </p:nvSpPr>
+        <p:spPr>
+          <a:xfrm>
+            <a:off x="2577074" y="5039146"/>
+            <a:ext cx="6096946" cy="1200329"/>
+          </a:xfrm>
+          <a:prstGeom prst="rect">
+            <a:avLst/>
+          </a:prstGeom>
+          <a:noFill/>
+        </p:spPr>
+        <p:txBody>
+          <a:bodyPr wrap="square">
+            <a:spAutoFit/>
+          </a:bodyPr>
+          <a:lstStyle/>
+          <a:p>
+            <a:pPr>
+              <a:buNone/>
+            </a:pPr>
+            <a:r>
+              <a:rPr lang="en-US" altLang="ko-KR" dirty="0"/>
+              <a:t>Early-Z</a:t>
+            </a:r>
+            <a:r>
+              <a:rPr lang="ko-KR" altLang="en-US" dirty="0"/>
+              <a:t>는 상황에 따라 무력화될 수 있습니다</a:t>
+            </a:r>
+            <a:r>
+              <a:rPr lang="en-US" altLang="ko-KR" dirty="0"/>
+              <a:t>.</a:t>
+            </a:r>
+          </a:p>
+          <a:p>
+            <a:pPr>
+              <a:buFont typeface="Arial" panose="020B0604020202020204" pitchFamily="34" charset="0"/>
+              <a:buChar char="•"/>
+            </a:pPr>
+            <a:r>
+              <a:rPr lang="en-US" altLang="ko-KR" dirty="0"/>
+              <a:t>Pixel Shader</a:t>
+            </a:r>
+            <a:r>
+              <a:rPr lang="ko-KR" altLang="en-US" dirty="0"/>
+              <a:t>에서 </a:t>
+            </a:r>
+            <a:r>
+              <a:rPr lang="en-US" altLang="ko-KR" dirty="0" err="1">
+                <a:latin typeface="Courier New" panose="02070309020205020404" pitchFamily="49" charset="0"/>
+              </a:rPr>
+              <a:t>SV_Depth</a:t>
+            </a:r>
+            <a:r>
+              <a:rPr lang="ko-KR" altLang="en-US" dirty="0"/>
+              <a:t> 를 직접 수정하는 경우</a:t>
+            </a:r>
+          </a:p>
+          <a:p>
+            <a:pPr>
+              <a:buFont typeface="Arial" panose="020B0604020202020204" pitchFamily="34" charset="0"/>
+              <a:buChar char="•"/>
+            </a:pPr>
+            <a:r>
+              <a:rPr lang="en-US" altLang="ko-KR" dirty="0"/>
+              <a:t>Alpha Test(clip/discard) </a:t>
+            </a:r>
+            <a:r>
+              <a:rPr lang="ko-KR" altLang="en-US" dirty="0"/>
+              <a:t>를 하는 경우</a:t>
+            </a:r>
+          </a:p>
+          <a:p>
+            <a:pPr>
+              <a:buFont typeface="Arial" panose="020B0604020202020204" pitchFamily="34" charset="0"/>
+              <a:buChar char="•"/>
+            </a:pPr>
+            <a:r>
+              <a:rPr lang="ko-KR" altLang="en-US" dirty="0"/>
+              <a:t>일부 </a:t>
+            </a:r>
+            <a:r>
+              <a:rPr lang="ko-KR" altLang="en-US" dirty="0" err="1"/>
+              <a:t>블렌딩</a:t>
+            </a:r>
+            <a:r>
+              <a:rPr lang="en-US" altLang="ko-KR" dirty="0"/>
+              <a:t>/</a:t>
+            </a:r>
+            <a:r>
+              <a:rPr lang="ko-KR" altLang="en-US" dirty="0"/>
+              <a:t>멀티 샘플링 모드</a:t>
             </a:r>
           </a:p>
         </p:txBody>
@@ -8027,7 +8170,7 @@
         <p:spPr>
           <a:xfrm>
             <a:off x="5166530" y="2765692"/>
-            <a:ext cx="6702503" cy="461665"/>
+            <a:ext cx="7099977" cy="830997"/>
           </a:xfrm>
           <a:prstGeom prst="rect">
             <a:avLst/>
@@ -8042,59 +8185,79 @@
           <a:p>
             <a:r>
               <a:rPr lang="ko-KR" altLang="en-US" sz="1200" dirty="0"/>
-              <a:t> 일반적인 알파 </a:t>
+              <a:t>설정하지 않으면 </a:t>
+            </a:r>
+            <a:r>
+              <a:rPr lang="en-US" altLang="ko-KR" sz="1200" dirty="0"/>
+              <a:t>Default Blend State </a:t>
+            </a:r>
+            <a:r>
+              <a:rPr lang="ko-KR" altLang="en-US" sz="1200" dirty="0"/>
+              <a:t>값 이다  </a:t>
+            </a:r>
+            <a:endParaRPr lang="en-US" altLang="ko-KR" sz="1200" dirty="0"/>
+          </a:p>
+          <a:p>
+            <a:r>
+              <a:rPr lang="en-US" altLang="ko-KR" sz="1200" dirty="0" err="1"/>
+              <a:t>AlphaToCoverageEnable</a:t>
+            </a:r>
+            <a:r>
+              <a:rPr lang="en-US" altLang="ko-KR" sz="1200" dirty="0"/>
+              <a:t> = FALSE;  </a:t>
+            </a:r>
+          </a:p>
+          <a:p>
+            <a:r>
+              <a:rPr lang="en-US" altLang="ko-KR" sz="1200" dirty="0" err="1"/>
+              <a:t>RenderTarget</a:t>
+            </a:r>
+            <a:r>
+              <a:rPr lang="en-US" altLang="ko-KR" sz="1200" dirty="0"/>
+              <a:t>[0].</a:t>
+            </a:r>
+            <a:r>
+              <a:rPr lang="en-US" altLang="ko-KR" sz="1200" dirty="0" err="1"/>
+              <a:t>BlendEnable</a:t>
+            </a:r>
+            <a:r>
+              <a:rPr lang="en-US" altLang="ko-KR" sz="1200" dirty="0"/>
+              <a:t> = FALSE; // </a:t>
             </a:r>
             <a:r>
               <a:rPr lang="ko-KR" altLang="en-US" sz="1200" dirty="0" err="1"/>
-              <a:t>블렌딩</a:t>
-            </a:r>
-            <a:r>
-              <a:rPr lang="ko-KR" altLang="en-US" sz="1200" dirty="0"/>
-              <a:t> 계산 </a:t>
-            </a:r>
-            <a:r>
-              <a:rPr lang="en-US" altLang="ko-KR" sz="1200" dirty="0"/>
-              <a:t>( </a:t>
-            </a:r>
-            <a:r>
-              <a:rPr lang="ko-KR" altLang="en-US" sz="1200" dirty="0"/>
-              <a:t>이미 그려진 것과 </a:t>
-            </a:r>
-            <a:r>
-              <a:rPr lang="en-US" altLang="ko-KR" sz="1200" dirty="0"/>
-              <a:t>Alpha</a:t>
-            </a:r>
-            <a:r>
-              <a:rPr lang="ko-KR" altLang="en-US" sz="1200" dirty="0"/>
-              <a:t>값으로 섞기</a:t>
-            </a:r>
-            <a:r>
-              <a:rPr lang="en-US" altLang="ko-KR" sz="1200" dirty="0"/>
-              <a:t> ) </a:t>
-            </a:r>
-            <a:r>
-              <a:rPr lang="ko-KR" altLang="en-US" sz="1200" dirty="0"/>
-              <a:t>을 적용 하려면 </a:t>
-            </a:r>
-            <a:r>
-              <a:rPr lang="en-US" altLang="ko-KR" sz="1200" dirty="0" err="1"/>
-              <a:t>BlendState</a:t>
-            </a:r>
-            <a:r>
-              <a:rPr lang="en-US" altLang="ko-KR" sz="1200" dirty="0"/>
-              <a:t> </a:t>
-            </a:r>
-            <a:r>
-              <a:rPr lang="ko-KR" altLang="en-US" sz="1200" dirty="0"/>
-              <a:t>를 어떻게 설정해야 할까</a:t>
-            </a:r>
-            <a:r>
-              <a:rPr lang="en-US" altLang="ko-KR" sz="1200" dirty="0"/>
-              <a:t>?</a:t>
+              <a:t>블랜드</a:t>
             </a:r>
             <a:r>
               <a:rPr lang="ko-KR" altLang="en-US" sz="1200" dirty="0"/>
               <a:t> </a:t>
+            </a:r>
+            <a:r>
+              <a:rPr lang="ko-KR" altLang="en-US" sz="1200" dirty="0" err="1"/>
+              <a:t>사용안함</a:t>
+            </a:r>
+            <a:endParaRPr lang="en-US" altLang="ko-KR" sz="1200" dirty="0"/>
+          </a:p>
+          <a:p>
+            <a:r>
+              <a:rPr lang="en-US" altLang="ko-KR" sz="1200" dirty="0" err="1"/>
+              <a:t>RenderTarget</a:t>
+            </a:r>
+            <a:r>
+              <a:rPr lang="en-US" altLang="ko-KR" sz="1200" dirty="0"/>
+              <a:t>[0].</a:t>
+            </a:r>
+            <a:r>
+              <a:rPr lang="en-US" altLang="ko-KR" sz="1200" dirty="0" err="1"/>
+              <a:t>RenderTargetWriteMask</a:t>
+            </a:r>
+            <a:r>
+              <a:rPr lang="en-US" altLang="ko-KR" sz="1200" dirty="0"/>
+              <a:t> = D3D11_COLOR_WRITE_ENABLE_ALL; // RGBA </a:t>
+            </a:r>
+            <a:r>
+              <a:rPr lang="ko-KR" altLang="en-US" sz="1200" dirty="0"/>
+              <a:t>모두 출력 </a:t>
             </a:r>
           </a:p>
         </p:txBody>
@@ -8249,36 +8412,6 @@
           </a:p>
         </p:txBody>
       </p:sp>
-      <p:pic>
-        <p:nvPicPr>
-          <p:cNvPr id="17" name="그림 16">
-            <a:extLst>
-              <a:ext uri="{FF2B5EF4-FFF2-40B4-BE49-F238E27FC236}">
-                <a16:creationId xmlns:a16="http://schemas.microsoft.com/office/drawing/2014/main" id="{4337E13B-48DE-09FB-93D9-37BF64EA15EB}"/>
-              </a:ext>
-            </a:extLst>
-          </p:cNvPr>
-          <p:cNvPicPr>
-            <a:picLocks noChangeAspect="1"/>
-          </p:cNvPicPr>
-          <p:nvPr/>
-        </p:nvPicPr>
-        <p:blipFill>
-          <a:blip r:embed="rId4"/>
-          <a:stretch>
-            <a:fillRect/>
-          </a:stretch>
-        </p:blipFill>
-        <p:spPr>
-          <a:xfrm>
-            <a:off x="5226500" y="3281510"/>
-            <a:ext cx="6868512" cy="3060296"/>
-          </a:xfrm>
-          <a:prstGeom prst="rect">
-            <a:avLst/>
-          </a:prstGeom>
-        </p:spPr>
-      </p:pic>
       <p:sp>
         <p:nvSpPr>
           <p:cNvPr id="18" name="TextBox 17">
@@ -8715,10 +8848,10 @@
       </p:cxnSp>
       <p:grpSp>
         <p:nvGrpSpPr>
-          <p:cNvPr id="28" name="그룹 27">
-            <a:extLst>
-              <a:ext uri="{FF2B5EF4-FFF2-40B4-BE49-F238E27FC236}">
-                <a16:creationId xmlns:a16="http://schemas.microsoft.com/office/drawing/2014/main" id="{B325157A-9875-52FD-DECF-53124799964C}"/>
+          <p:cNvPr id="4" name="그룹 3">
+            <a:extLst>
+              <a:ext uri="{FF2B5EF4-FFF2-40B4-BE49-F238E27FC236}">
+                <a16:creationId xmlns:a16="http://schemas.microsoft.com/office/drawing/2014/main" id="{0BD4D905-48C4-E3D6-D60F-BC5221B00F6F}"/>
               </a:ext>
             </a:extLst>
           </p:cNvPr>
@@ -8727,20 +8860,173 @@
         </p:nvGrpSpPr>
         <p:grpSpPr>
           <a:xfrm>
-            <a:off x="8182186" y="5627329"/>
-            <a:ext cx="235080" cy="54360"/>
-            <a:chOff x="8182186" y="5627329"/>
-            <a:chExt cx="235080" cy="54360"/>
+            <a:off x="5234572" y="3693844"/>
+            <a:ext cx="6868512" cy="3060296"/>
+            <a:chOff x="5234572" y="3693844"/>
+            <a:chExt cx="6868512" cy="3060296"/>
           </a:xfrm>
         </p:grpSpPr>
-        <mc:AlternateContent xmlns:mc="http://schemas.openxmlformats.org/markup-compatibility/2006" xmlns:p14="http://schemas.microsoft.com/office/powerpoint/2010/main">
-          <mc:Choice Requires="p14">
-            <p:contentPart p14:bwMode="auto" r:id="rId5">
+        <p:pic>
+          <p:nvPicPr>
+            <p:cNvPr id="17" name="그림 16">
+              <a:extLst>
+                <a:ext uri="{FF2B5EF4-FFF2-40B4-BE49-F238E27FC236}">
+                  <a16:creationId xmlns:a16="http://schemas.microsoft.com/office/drawing/2014/main" id="{4337E13B-48DE-09FB-93D9-37BF64EA15EB}"/>
+                </a:ext>
+              </a:extLst>
+            </p:cNvPr>
+            <p:cNvPicPr>
+              <a:picLocks noChangeAspect="1"/>
+            </p:cNvPicPr>
+            <p:nvPr/>
+          </p:nvPicPr>
+          <p:blipFill>
+            <a:blip r:embed="rId4"/>
+            <a:stretch>
+              <a:fillRect/>
+            </a:stretch>
+          </p:blipFill>
+          <p:spPr>
+            <a:xfrm>
+              <a:off x="5234572" y="3693844"/>
+              <a:ext cx="6868512" cy="3060296"/>
+            </a:xfrm>
+            <a:prstGeom prst="rect">
+              <a:avLst/>
+            </a:prstGeom>
+          </p:spPr>
+        </p:pic>
+        <p:grpSp>
+          <p:nvGrpSpPr>
+            <p:cNvPr id="28" name="그룹 27">
+              <a:extLst>
+                <a:ext uri="{FF2B5EF4-FFF2-40B4-BE49-F238E27FC236}">
+                  <a16:creationId xmlns:a16="http://schemas.microsoft.com/office/drawing/2014/main" id="{B325157A-9875-52FD-DECF-53124799964C}"/>
+                </a:ext>
+              </a:extLst>
+            </p:cNvPr>
+            <p:cNvGrpSpPr/>
+            <p:nvPr/>
+          </p:nvGrpSpPr>
+          <p:grpSpPr>
+            <a:xfrm>
+              <a:off x="8182186" y="5627329"/>
+              <a:ext cx="235080" cy="54360"/>
+              <a:chOff x="8182186" y="5627329"/>
+              <a:chExt cx="235080" cy="54360"/>
+            </a:xfrm>
+          </p:grpSpPr>
+          <mc:AlternateContent xmlns:mc="http://schemas.openxmlformats.org/markup-compatibility/2006" xmlns:p14="http://schemas.microsoft.com/office/powerpoint/2010/main">
+            <mc:Choice Requires="p14">
+              <p:contentPart p14:bwMode="auto" r:id="rId5">
+                <p14:nvContentPartPr>
+                  <p14:cNvPr id="26" name="잉크 25">
+                    <a:extLst>
+                      <a:ext uri="{FF2B5EF4-FFF2-40B4-BE49-F238E27FC236}">
+                        <a16:creationId xmlns:a16="http://schemas.microsoft.com/office/drawing/2014/main" id="{DB1E01A1-B867-48BF-A7D9-5F3E7A091E38}"/>
+                      </a:ext>
+                    </a:extLst>
+                  </p14:cNvPr>
+                  <p14:cNvContentPartPr/>
+                  <p14:nvPr/>
+                </p14:nvContentPartPr>
+                <p14:xfrm>
+                  <a:off x="8182186" y="5640649"/>
+                  <a:ext cx="221400" cy="41040"/>
+                </p14:xfrm>
+              </p:contentPart>
+            </mc:Choice>
+            <mc:Fallback xmlns="">
+              <p:pic>
+                <p:nvPicPr>
+                  <p:cNvPr id="26" name="잉크 25">
+                    <a:extLst>
+                      <a:ext uri="{FF2B5EF4-FFF2-40B4-BE49-F238E27FC236}">
+                        <a16:creationId xmlns:a16="http://schemas.microsoft.com/office/drawing/2014/main" id="{DB1E01A1-B867-48BF-A7D9-5F3E7A091E38}"/>
+                      </a:ext>
+                    </a:extLst>
+                  </p:cNvPr>
+                  <p:cNvPicPr/>
+                  <p:nvPr/>
+                </p:nvPicPr>
+                <p:blipFill>
+                  <a:blip r:embed="rId6"/>
+                  <a:stretch>
+                    <a:fillRect/>
+                  </a:stretch>
+                </p:blipFill>
+                <p:spPr>
+                  <a:xfrm>
+                    <a:off x="8177866" y="5636329"/>
+                    <a:ext cx="230040" cy="49680"/>
+                  </a:xfrm>
+                  <a:prstGeom prst="rect">
+                    <a:avLst/>
+                  </a:prstGeom>
+                </p:spPr>
+              </p:pic>
+            </mc:Fallback>
+          </mc:AlternateContent>
+          <mc:AlternateContent xmlns:mc="http://schemas.openxmlformats.org/markup-compatibility/2006" xmlns:p14="http://schemas.microsoft.com/office/powerpoint/2010/main">
+            <mc:Choice Requires="p14">
+              <p:contentPart p14:bwMode="auto" r:id="rId7">
+                <p14:nvContentPartPr>
+                  <p14:cNvPr id="27" name="잉크 26">
+                    <a:extLst>
+                      <a:ext uri="{FF2B5EF4-FFF2-40B4-BE49-F238E27FC236}">
+                        <a16:creationId xmlns:a16="http://schemas.microsoft.com/office/drawing/2014/main" id="{7E083252-CFAE-767E-E151-E813FED3404D}"/>
+                      </a:ext>
+                    </a:extLst>
+                  </p14:cNvPr>
+                  <p14:cNvContentPartPr/>
+                  <p14:nvPr/>
+                </p14:nvContentPartPr>
+                <p14:xfrm>
+                  <a:off x="8236186" y="5627329"/>
+                  <a:ext cx="181080" cy="14040"/>
+                </p14:xfrm>
+              </p:contentPart>
+            </mc:Choice>
+            <mc:Fallback xmlns="">
+              <p:pic>
+                <p:nvPicPr>
+                  <p:cNvPr id="27" name="잉크 26">
+                    <a:extLst>
+                      <a:ext uri="{FF2B5EF4-FFF2-40B4-BE49-F238E27FC236}">
+                        <a16:creationId xmlns:a16="http://schemas.microsoft.com/office/drawing/2014/main" id="{7E083252-CFAE-767E-E151-E813FED3404D}"/>
+                      </a:ext>
+                    </a:extLst>
+                  </p:cNvPr>
+                  <p:cNvPicPr/>
+                  <p:nvPr/>
+                </p:nvPicPr>
+                <p:blipFill>
+                  <a:blip r:embed="rId8"/>
+                  <a:stretch>
+                    <a:fillRect/>
+                  </a:stretch>
+                </p:blipFill>
+                <p:spPr>
+                  <a:xfrm>
+                    <a:off x="8231866" y="5623009"/>
+                    <a:ext cx="189720" cy="22680"/>
+                  </a:xfrm>
+                  <a:prstGeom prst="rect">
+                    <a:avLst/>
+                  </a:prstGeom>
+                </p:spPr>
+              </p:pic>
+            </mc:Fallback>
+          </mc:AlternateContent>
+        </p:grpSp>
+        <mc:AlternateContent xmlns:mc="http://schemas.openxmlformats.org/markup-compatibility/2006">
+          <mc:Choice xmlns:p14="http://schemas.microsoft.com/office/powerpoint/2010/main" Requires="p14">
+            <p:contentPart p14:bwMode="auto" r:id="rId9">
               <p14:nvContentPartPr>
-                <p14:cNvPr id="26" name="잉크 25">
+                <p14:cNvPr id="29" name="잉크 28">
                   <a:extLst>
                     <a:ext uri="{FF2B5EF4-FFF2-40B4-BE49-F238E27FC236}">
-                      <a16:creationId xmlns:a16="http://schemas.microsoft.com/office/drawing/2014/main" id="{DB1E01A1-B867-48BF-A7D9-5F3E7A091E38}"/>
+                      <a16:creationId xmlns:a16="http://schemas.microsoft.com/office/drawing/2014/main" id="{EC0F8F6D-D44C-EF80-4AC5-6102F4A5B181}"/>
                     </a:ext>
                   </a:extLst>
                 </p14:cNvPr>
@@ -8748,18 +9034,18 @@
                 <p14:nvPr/>
               </p14:nvContentPartPr>
               <p14:xfrm>
-                <a:off x="8182186" y="5640649"/>
-                <a:ext cx="221400" cy="41040"/>
+                <a:off x="10085146" y="5633809"/>
+                <a:ext cx="127440" cy="7200"/>
               </p14:xfrm>
             </p:contentPart>
           </mc:Choice>
-          <mc:Fallback xmlns="">
+          <mc:Fallback>
             <p:pic>
               <p:nvPicPr>
-                <p:cNvPr id="26" name="잉크 25">
+                <p:cNvPr id="29" name="잉크 28">
                   <a:extLst>
                     <a:ext uri="{FF2B5EF4-FFF2-40B4-BE49-F238E27FC236}">
-                      <a16:creationId xmlns:a16="http://schemas.microsoft.com/office/drawing/2014/main" id="{DB1E01A1-B867-48BF-A7D9-5F3E7A091E38}"/>
+                      <a16:creationId xmlns:a16="http://schemas.microsoft.com/office/drawing/2014/main" id="{EC0F8F6D-D44C-EF80-4AC5-6102F4A5B181}"/>
                     </a:ext>
                   </a:extLst>
                 </p:cNvPr>
@@ -8767,15 +9053,15 @@
                 <p:nvPr/>
               </p:nvPicPr>
               <p:blipFill>
-                <a:blip r:embed="rId6"/>
+                <a:blip r:embed="rId10"/>
                 <a:stretch>
                   <a:fillRect/>
                 </a:stretch>
               </p:blipFill>
               <p:spPr>
                 <a:xfrm>
-                  <a:off x="8177866" y="5636329"/>
-                  <a:ext cx="230040" cy="49680"/>
+                  <a:off x="10080826" y="5629489"/>
+                  <a:ext cx="136080" cy="15840"/>
                 </a:xfrm>
                 <a:prstGeom prst="rect">
                   <a:avLst/>
@@ -8784,14 +9070,14 @@
             </p:pic>
           </mc:Fallback>
         </mc:AlternateContent>
-        <mc:AlternateContent xmlns:mc="http://schemas.openxmlformats.org/markup-compatibility/2006" xmlns:p14="http://schemas.microsoft.com/office/powerpoint/2010/main">
-          <mc:Choice Requires="p14">
-            <p:contentPart p14:bwMode="auto" r:id="rId7">
+        <mc:AlternateContent xmlns:mc="http://schemas.openxmlformats.org/markup-compatibility/2006">
+          <mc:Choice xmlns:p14="http://schemas.microsoft.com/office/powerpoint/2010/main" Requires="p14">
+            <p:contentPart p14:bwMode="auto" r:id="rId11">
               <p14:nvContentPartPr>
-                <p14:cNvPr id="27" name="잉크 26">
+                <p14:cNvPr id="30" name="잉크 29">
                   <a:extLst>
                     <a:ext uri="{FF2B5EF4-FFF2-40B4-BE49-F238E27FC236}">
-                      <a16:creationId xmlns:a16="http://schemas.microsoft.com/office/drawing/2014/main" id="{7E083252-CFAE-767E-E151-E813FED3404D}"/>
+                      <a16:creationId xmlns:a16="http://schemas.microsoft.com/office/drawing/2014/main" id="{AC520B76-B145-483B-DD37-F30D0F5C16C3}"/>
                     </a:ext>
                   </a:extLst>
                 </p14:cNvPr>
@@ -8799,18 +9085,18 @@
                 <p14:nvPr/>
               </p14:nvContentPartPr>
               <p14:xfrm>
-                <a:off x="8236186" y="5627329"/>
-                <a:ext cx="181080" cy="14040"/>
+                <a:off x="10098466" y="5654329"/>
+                <a:ext cx="66960" cy="360"/>
               </p14:xfrm>
             </p:contentPart>
           </mc:Choice>
-          <mc:Fallback xmlns="">
+          <mc:Fallback>
             <p:pic>
               <p:nvPicPr>
-                <p:cNvPr id="27" name="잉크 26">
+                <p:cNvPr id="30" name="잉크 29">
                   <a:extLst>
                     <a:ext uri="{FF2B5EF4-FFF2-40B4-BE49-F238E27FC236}">
-                      <a16:creationId xmlns:a16="http://schemas.microsoft.com/office/drawing/2014/main" id="{7E083252-CFAE-767E-E151-E813FED3404D}"/>
+                      <a16:creationId xmlns:a16="http://schemas.microsoft.com/office/drawing/2014/main" id="{AC520B76-B145-483B-DD37-F30D0F5C16C3}"/>
                     </a:ext>
                   </a:extLst>
                 </p:cNvPr>
@@ -8818,15 +9104,15 @@
                 <p:nvPr/>
               </p:nvPicPr>
               <p:blipFill>
-                <a:blip r:embed="rId8"/>
+                <a:blip r:embed="rId12"/>
                 <a:stretch>
                   <a:fillRect/>
                 </a:stretch>
               </p:blipFill>
               <p:spPr>
                 <a:xfrm>
-                  <a:off x="8231866" y="5623009"/>
-                  <a:ext cx="189720" cy="22680"/>
+                  <a:off x="10094123" y="5650009"/>
+                  <a:ext cx="75647" cy="9000"/>
                 </a:xfrm>
                 <a:prstGeom prst="rect">
                   <a:avLst/>
@@ -8835,197 +9121,95 @@
             </p:pic>
           </mc:Fallback>
         </mc:AlternateContent>
-      </p:grpSp>
-      <mc:AlternateContent xmlns:mc="http://schemas.openxmlformats.org/markup-compatibility/2006" xmlns:p14="http://schemas.microsoft.com/office/powerpoint/2010/main">
-        <mc:Choice Requires="p14">
-          <p:contentPart p14:bwMode="auto" r:id="rId9">
-            <p14:nvContentPartPr>
-              <p14:cNvPr id="29" name="잉크 28">
-                <a:extLst>
-                  <a:ext uri="{FF2B5EF4-FFF2-40B4-BE49-F238E27FC236}">
-                    <a16:creationId xmlns:a16="http://schemas.microsoft.com/office/drawing/2014/main" id="{EC0F8F6D-D44C-EF80-4AC5-6102F4A5B181}"/>
-                  </a:ext>
-                </a:extLst>
-              </p14:cNvPr>
-              <p14:cNvContentPartPr/>
-              <p14:nvPr/>
-            </p14:nvContentPartPr>
-            <p14:xfrm>
-              <a:off x="10085146" y="5633809"/>
-              <a:ext cx="127440" cy="7200"/>
-            </p14:xfrm>
-          </p:contentPart>
-        </mc:Choice>
-        <mc:Fallback xmlns="">
-          <p:pic>
-            <p:nvPicPr>
-              <p:cNvPr id="29" name="잉크 28">
-                <a:extLst>
-                  <a:ext uri="{FF2B5EF4-FFF2-40B4-BE49-F238E27FC236}">
-                    <a16:creationId xmlns:a16="http://schemas.microsoft.com/office/drawing/2014/main" id="{EC0F8F6D-D44C-EF80-4AC5-6102F4A5B181}"/>
-                  </a:ext>
-                </a:extLst>
-              </p:cNvPr>
-              <p:cNvPicPr/>
-              <p:nvPr/>
-            </p:nvPicPr>
-            <p:blipFill>
-              <a:blip r:embed="rId10"/>
-              <a:stretch>
-                <a:fillRect/>
-              </a:stretch>
-            </p:blipFill>
-            <p:spPr>
-              <a:xfrm>
-                <a:off x="10080826" y="5629489"/>
-                <a:ext cx="136080" cy="15840"/>
-              </a:xfrm>
-              <a:prstGeom prst="rect">
-                <a:avLst/>
-              </a:prstGeom>
-            </p:spPr>
-          </p:pic>
-        </mc:Fallback>
-      </mc:AlternateContent>
-      <mc:AlternateContent xmlns:mc="http://schemas.openxmlformats.org/markup-compatibility/2006" xmlns:p14="http://schemas.microsoft.com/office/powerpoint/2010/main">
-        <mc:Choice Requires="p14">
-          <p:contentPart p14:bwMode="auto" r:id="rId11">
-            <p14:nvContentPartPr>
-              <p14:cNvPr id="30" name="잉크 29">
-                <a:extLst>
-                  <a:ext uri="{FF2B5EF4-FFF2-40B4-BE49-F238E27FC236}">
-                    <a16:creationId xmlns:a16="http://schemas.microsoft.com/office/drawing/2014/main" id="{AC520B76-B145-483B-DD37-F30D0F5C16C3}"/>
-                  </a:ext>
-                </a:extLst>
-              </p14:cNvPr>
-              <p14:cNvContentPartPr/>
-              <p14:nvPr/>
-            </p14:nvContentPartPr>
-            <p14:xfrm>
-              <a:off x="10098466" y="5654329"/>
-              <a:ext cx="66960" cy="360"/>
-            </p14:xfrm>
-          </p:contentPart>
-        </mc:Choice>
-        <mc:Fallback xmlns="">
-          <p:pic>
-            <p:nvPicPr>
-              <p:cNvPr id="30" name="잉크 29">
-                <a:extLst>
-                  <a:ext uri="{FF2B5EF4-FFF2-40B4-BE49-F238E27FC236}">
-                    <a16:creationId xmlns:a16="http://schemas.microsoft.com/office/drawing/2014/main" id="{AC520B76-B145-483B-DD37-F30D0F5C16C3}"/>
-                  </a:ext>
-                </a:extLst>
-              </p:cNvPr>
-              <p:cNvPicPr/>
-              <p:nvPr/>
-            </p:nvPicPr>
-            <p:blipFill>
-              <a:blip r:embed="rId12"/>
-              <a:stretch>
-                <a:fillRect/>
-              </a:stretch>
-            </p:blipFill>
-            <p:spPr>
-              <a:xfrm>
-                <a:off x="10094146" y="5650009"/>
-                <a:ext cx="75600" cy="9000"/>
-              </a:xfrm>
-              <a:prstGeom prst="rect">
-                <a:avLst/>
-              </a:prstGeom>
-            </p:spPr>
-          </p:pic>
-        </mc:Fallback>
-      </mc:AlternateContent>
-      <p:sp>
-        <p:nvSpPr>
-          <p:cNvPr id="42" name="TextBox 41">
-            <a:extLst>
-              <a:ext uri="{FF2B5EF4-FFF2-40B4-BE49-F238E27FC236}">
-                <a16:creationId xmlns:a16="http://schemas.microsoft.com/office/drawing/2014/main" id="{5C903D31-ED1D-4C45-1429-B8040D65258D}"/>
-              </a:ext>
-            </a:extLst>
-          </p:cNvPr>
-          <p:cNvSpPr txBox="1"/>
-          <p:nvPr/>
-        </p:nvSpPr>
-        <p:spPr>
-          <a:xfrm>
-            <a:off x="8377054" y="5526087"/>
-            <a:ext cx="449162" cy="215444"/>
-          </a:xfrm>
-          <a:prstGeom prst="rect">
-            <a:avLst/>
-          </a:prstGeom>
-          <a:noFill/>
-        </p:spPr>
-        <p:txBody>
-          <a:bodyPr wrap="none" rtlCol="0">
-            <a:spAutoFit/>
-          </a:bodyPr>
-          <a:lstStyle/>
-          <a:p>
-            <a:r>
-              <a:rPr lang="en-US" altLang="ko-KR" sz="800" b="1" dirty="0">
+        <p:sp>
+          <p:nvSpPr>
+            <p:cNvPr id="42" name="TextBox 41">
+              <a:extLst>
+                <a:ext uri="{FF2B5EF4-FFF2-40B4-BE49-F238E27FC236}">
+                  <a16:creationId xmlns:a16="http://schemas.microsoft.com/office/drawing/2014/main" id="{5C903D31-ED1D-4C45-1429-B8040D65258D}"/>
+                </a:ext>
+              </a:extLst>
+            </p:cNvPr>
+            <p:cNvSpPr txBox="1"/>
+            <p:nvPr/>
+          </p:nvSpPr>
+          <p:spPr>
+            <a:xfrm>
+              <a:off x="8377054" y="5526087"/>
+              <a:ext cx="449162" cy="215444"/>
+            </a:xfrm>
+            <a:prstGeom prst="rect">
+              <a:avLst/>
+            </a:prstGeom>
+            <a:noFill/>
+          </p:spPr>
+          <p:txBody>
+            <a:bodyPr wrap="none" rtlCol="0">
+              <a:spAutoFit/>
+            </a:bodyPr>
+            <a:lstStyle/>
+            <a:p>
+              <a:r>
+                <a:rPr lang="en-US" altLang="ko-KR" sz="800" b="1" dirty="0">
+                  <a:solidFill>
+                    <a:srgbClr val="FF0000"/>
+                  </a:solidFill>
+                </a:rPr>
+                <a:t>ZERO</a:t>
+              </a:r>
+              <a:endParaRPr lang="ko-KR" altLang="en-US" sz="800" b="1" dirty="0">
                 <a:solidFill>
                   <a:srgbClr val="FF0000"/>
                 </a:solidFill>
-              </a:rPr>
-              <a:t>ZERO</a:t>
-            </a:r>
-            <a:endParaRPr lang="ko-KR" altLang="en-US" sz="800" b="1" dirty="0">
-              <a:solidFill>
-                <a:srgbClr val="FF0000"/>
-              </a:solidFill>
-            </a:endParaRPr>
-          </a:p>
-        </p:txBody>
-      </p:sp>
-      <p:sp>
-        <p:nvSpPr>
-          <p:cNvPr id="43" name="TextBox 42">
-            <a:extLst>
-              <a:ext uri="{FF2B5EF4-FFF2-40B4-BE49-F238E27FC236}">
-                <a16:creationId xmlns:a16="http://schemas.microsoft.com/office/drawing/2014/main" id="{F5066AE1-71A4-E288-7C3C-2562F4422CEC}"/>
-              </a:ext>
-            </a:extLst>
-          </p:cNvPr>
-          <p:cNvSpPr txBox="1"/>
-          <p:nvPr/>
-        </p:nvSpPr>
-        <p:spPr>
-          <a:xfrm>
-            <a:off x="10236033" y="5526087"/>
-            <a:ext cx="243978" cy="215444"/>
-          </a:xfrm>
-          <a:prstGeom prst="rect">
-            <a:avLst/>
-          </a:prstGeom>
-          <a:noFill/>
-        </p:spPr>
-        <p:txBody>
-          <a:bodyPr wrap="none" rtlCol="0">
-            <a:spAutoFit/>
-          </a:bodyPr>
-          <a:lstStyle/>
-          <a:p>
-            <a:r>
-              <a:rPr lang="en-US" altLang="ko-KR" sz="800" b="1" dirty="0">
+              </a:endParaRPr>
+            </a:p>
+          </p:txBody>
+        </p:sp>
+        <p:sp>
+          <p:nvSpPr>
+            <p:cNvPr id="43" name="TextBox 42">
+              <a:extLst>
+                <a:ext uri="{FF2B5EF4-FFF2-40B4-BE49-F238E27FC236}">
+                  <a16:creationId xmlns:a16="http://schemas.microsoft.com/office/drawing/2014/main" id="{F5066AE1-71A4-E288-7C3C-2562F4422CEC}"/>
+                </a:ext>
+              </a:extLst>
+            </p:cNvPr>
+            <p:cNvSpPr txBox="1"/>
+            <p:nvPr/>
+          </p:nvSpPr>
+          <p:spPr>
+            <a:xfrm>
+              <a:off x="10236033" y="5526087"/>
+              <a:ext cx="243978" cy="215444"/>
+            </a:xfrm>
+            <a:prstGeom prst="rect">
+              <a:avLst/>
+            </a:prstGeom>
+            <a:noFill/>
+          </p:spPr>
+          <p:txBody>
+            <a:bodyPr wrap="none" rtlCol="0">
+              <a:spAutoFit/>
+            </a:bodyPr>
+            <a:lstStyle/>
+            <a:p>
+              <a:r>
+                <a:rPr lang="en-US" altLang="ko-KR" sz="800" b="1" dirty="0">
+                  <a:solidFill>
+                    <a:srgbClr val="FF0000"/>
+                  </a:solidFill>
+                </a:rPr>
+                <a:t>0</a:t>
+              </a:r>
+              <a:endParaRPr lang="ko-KR" altLang="en-US" sz="800" b="1" dirty="0">
                 <a:solidFill>
                   <a:srgbClr val="FF0000"/>
                 </a:solidFill>
-              </a:rPr>
-              <a:t>0</a:t>
-            </a:r>
-            <a:endParaRPr lang="ko-KR" altLang="en-US" sz="800" b="1" dirty="0">
-              <a:solidFill>
-                <a:srgbClr val="FF0000"/>
-              </a:solidFill>
-            </a:endParaRPr>
-          </a:p>
-        </p:txBody>
-      </p:sp>
+              </a:endParaRPr>
+            </a:p>
+          </p:txBody>
+        </p:sp>
+      </p:grpSp>
     </p:spTree>
     <p:extLst>
       <p:ext uri="{BB962C8B-B14F-4D97-AF65-F5344CB8AC3E}">
